--- a/Identifying Neighborhood to open a restaurant.pptx
+++ b/Identifying Neighborhood to open a restaurant.pptx
@@ -8,10 +8,13 @@
     <p:sldId id="256" r:id="rId2"/>
     <p:sldId id="257" r:id="rId3"/>
     <p:sldId id="258" r:id="rId4"/>
-    <p:sldId id="259" r:id="rId5"/>
-    <p:sldId id="260" r:id="rId6"/>
-    <p:sldId id="261" r:id="rId7"/>
-    <p:sldId id="262" r:id="rId8"/>
+    <p:sldId id="263" r:id="rId5"/>
+    <p:sldId id="264" r:id="rId6"/>
+    <p:sldId id="265" r:id="rId7"/>
+    <p:sldId id="259" r:id="rId8"/>
+    <p:sldId id="260" r:id="rId9"/>
+    <p:sldId id="262" r:id="rId10"/>
+    <p:sldId id="266" r:id="rId11"/>
   </p:sldIdLst>
   <p:sldSz cx="12192000" cy="6858000"/>
   <p:notesSz cx="6858000" cy="9144000"/>
@@ -110,6 +113,11 @@
       </a:defRPr>
     </a:lvl9pPr>
   </p:defaultTextStyle>
+  <p:extLst>
+    <p:ext uri="{EFAFB233-063F-42B5-8137-9DF3F51BA10A}">
+      <p15:sldGuideLst xmlns:p15="http://schemas.microsoft.com/office/powerpoint/2012/main"/>
+    </p:ext>
+  </p:extLst>
 </p:presentation>
 </file>
 
@@ -835,7 +843,7 @@
           <a:p>
             <a:fld id="{B66B6D22-2FE8-42C4-840D-2FB23BDA8041}" type="datetimeFigureOut">
               <a:rPr lang="en-US" smtClean="0"/>
-              <a:t>6/25/2019</a:t>
+              <a:t>6/28/2019</a:t>
             </a:fld>
             <a:endParaRPr lang="en-US"/>
           </a:p>
@@ -1086,7 +1094,7 @@
           <a:p>
             <a:fld id="{B66B6D22-2FE8-42C4-840D-2FB23BDA8041}" type="datetimeFigureOut">
               <a:rPr lang="en-US" smtClean="0"/>
-              <a:t>6/25/2019</a:t>
+              <a:t>6/28/2019</a:t>
             </a:fld>
             <a:endParaRPr lang="en-US"/>
           </a:p>
@@ -1400,7 +1408,7 @@
           <a:p>
             <a:fld id="{B66B6D22-2FE8-42C4-840D-2FB23BDA8041}" type="datetimeFigureOut">
               <a:rPr lang="en-US" smtClean="0"/>
-              <a:t>6/25/2019</a:t>
+              <a:t>6/28/2019</a:t>
             </a:fld>
             <a:endParaRPr lang="en-US"/>
           </a:p>
@@ -1741,7 +1749,7 @@
           <a:p>
             <a:fld id="{B66B6D22-2FE8-42C4-840D-2FB23BDA8041}" type="datetimeFigureOut">
               <a:rPr lang="en-US" smtClean="0"/>
-              <a:t>6/25/2019</a:t>
+              <a:t>6/28/2019</a:t>
             </a:fld>
             <a:endParaRPr lang="en-US"/>
           </a:p>
@@ -2055,7 +2063,7 @@
           <a:p>
             <a:fld id="{B66B6D22-2FE8-42C4-840D-2FB23BDA8041}" type="datetimeFigureOut">
               <a:rPr lang="en-US" smtClean="0"/>
-              <a:t>6/25/2019</a:t>
+              <a:t>6/28/2019</a:t>
             </a:fld>
             <a:endParaRPr lang="en-US"/>
           </a:p>
@@ -2448,7 +2456,7 @@
           <a:p>
             <a:fld id="{B66B6D22-2FE8-42C4-840D-2FB23BDA8041}" type="datetimeFigureOut">
               <a:rPr lang="en-US" smtClean="0"/>
-              <a:t>6/25/2019</a:t>
+              <a:t>6/28/2019</a:t>
             </a:fld>
             <a:endParaRPr lang="en-US"/>
           </a:p>
@@ -2618,7 +2626,7 @@
           <a:p>
             <a:fld id="{B66B6D22-2FE8-42C4-840D-2FB23BDA8041}" type="datetimeFigureOut">
               <a:rPr lang="en-US" smtClean="0"/>
-              <a:t>6/25/2019</a:t>
+              <a:t>6/28/2019</a:t>
             </a:fld>
             <a:endParaRPr lang="en-US"/>
           </a:p>
@@ -2798,7 +2806,7 @@
           <a:p>
             <a:fld id="{B66B6D22-2FE8-42C4-840D-2FB23BDA8041}" type="datetimeFigureOut">
               <a:rPr lang="en-US" smtClean="0"/>
-              <a:t>6/25/2019</a:t>
+              <a:t>6/28/2019</a:t>
             </a:fld>
             <a:endParaRPr lang="en-US"/>
           </a:p>
@@ -2974,7 +2982,7 @@
           <a:p>
             <a:fld id="{B66B6D22-2FE8-42C4-840D-2FB23BDA8041}" type="datetimeFigureOut">
               <a:rPr lang="en-US" smtClean="0"/>
-              <a:t>6/25/2019</a:t>
+              <a:t>6/28/2019</a:t>
             </a:fld>
             <a:endParaRPr lang="en-US"/>
           </a:p>
@@ -3221,7 +3229,7 @@
           <a:p>
             <a:fld id="{B66B6D22-2FE8-42C4-840D-2FB23BDA8041}" type="datetimeFigureOut">
               <a:rPr lang="en-US" smtClean="0"/>
-              <a:t>6/25/2019</a:t>
+              <a:t>6/28/2019</a:t>
             </a:fld>
             <a:endParaRPr lang="en-US"/>
           </a:p>
@@ -3453,7 +3461,7 @@
           <a:p>
             <a:fld id="{B66B6D22-2FE8-42C4-840D-2FB23BDA8041}" type="datetimeFigureOut">
               <a:rPr lang="en-US" smtClean="0"/>
-              <a:t>6/25/2019</a:t>
+              <a:t>6/28/2019</a:t>
             </a:fld>
             <a:endParaRPr lang="en-US"/>
           </a:p>
@@ -3827,7 +3835,7 @@
           <a:p>
             <a:fld id="{B66B6D22-2FE8-42C4-840D-2FB23BDA8041}" type="datetimeFigureOut">
               <a:rPr lang="en-US" smtClean="0"/>
-              <a:t>6/25/2019</a:t>
+              <a:t>6/28/2019</a:t>
             </a:fld>
             <a:endParaRPr lang="en-US"/>
           </a:p>
@@ -3950,7 +3958,7 @@
           <a:p>
             <a:fld id="{B66B6D22-2FE8-42C4-840D-2FB23BDA8041}" type="datetimeFigureOut">
               <a:rPr lang="en-US" smtClean="0"/>
-              <a:t>6/25/2019</a:t>
+              <a:t>6/28/2019</a:t>
             </a:fld>
             <a:endParaRPr lang="en-US"/>
           </a:p>
@@ -4045,7 +4053,7 @@
           <a:p>
             <a:fld id="{B66B6D22-2FE8-42C4-840D-2FB23BDA8041}" type="datetimeFigureOut">
               <a:rPr lang="en-US" smtClean="0"/>
-              <a:t>6/25/2019</a:t>
+              <a:t>6/28/2019</a:t>
             </a:fld>
             <a:endParaRPr lang="en-US"/>
           </a:p>
@@ -4300,7 +4308,7 @@
           <a:p>
             <a:fld id="{B66B6D22-2FE8-42C4-840D-2FB23BDA8041}" type="datetimeFigureOut">
               <a:rPr lang="en-US" smtClean="0"/>
-              <a:t>6/25/2019</a:t>
+              <a:t>6/28/2019</a:t>
             </a:fld>
             <a:endParaRPr lang="en-US"/>
           </a:p>
@@ -4563,7 +4571,7 @@
           <a:p>
             <a:fld id="{B66B6D22-2FE8-42C4-840D-2FB23BDA8041}" type="datetimeFigureOut">
               <a:rPr lang="en-US" smtClean="0"/>
-              <a:t>6/25/2019</a:t>
+              <a:t>6/28/2019</a:t>
             </a:fld>
             <a:endParaRPr lang="en-US"/>
           </a:p>
@@ -5306,7 +5314,7 @@
           <a:p>
             <a:fld id="{B66B6D22-2FE8-42C4-840D-2FB23BDA8041}" type="datetimeFigureOut">
               <a:rPr lang="en-US" smtClean="0"/>
-              <a:t>6/25/2019</a:t>
+              <a:t>6/28/2019</a:t>
             </a:fld>
             <a:endParaRPr lang="en-US"/>
           </a:p>
@@ -5855,7 +5863,7 @@
           <a:p>
             <a:r>
               <a:rPr lang="en-US" dirty="0"/>
-              <a:t>Identifying Neighborhood to open a restaurant</a:t>
+              <a:t>Identifying neighborhood to open a restaurant</a:t>
             </a:r>
           </a:p>
         </p:txBody>
@@ -5892,6 +5900,1559 @@
     <p:extLst>
       <p:ext uri="{BB962C8B-B14F-4D97-AF65-F5344CB8AC3E}">
         <p14:creationId xmlns:p14="http://schemas.microsoft.com/office/powerpoint/2010/main" val="4160371667"/>
+      </p:ext>
+    </p:extLst>
+  </p:cSld>
+  <p:clrMapOvr>
+    <a:masterClrMapping/>
+  </p:clrMapOvr>
+</p:sld>
+</file>
+
+<file path=ppt/slides/slide10.xml><?xml version="1.0" encoding="utf-8"?>
+<p:sld xmlns:a="http://schemas.openxmlformats.org/drawingml/2006/main" xmlns:r="http://schemas.openxmlformats.org/officeDocument/2006/relationships" xmlns:p="http://schemas.openxmlformats.org/presentationml/2006/main">
+  <p:cSld>
+    <p:bg>
+      <p:bgPr>
+        <a:solidFill>
+          <a:schemeClr val="bg1"/>
+        </a:solidFill>
+        <a:effectLst/>
+      </p:bgPr>
+    </p:bg>
+    <p:spTree>
+      <p:nvGrpSpPr>
+        <p:cNvPr id="1" name=""/>
+        <p:cNvGrpSpPr/>
+        <p:nvPr/>
+      </p:nvGrpSpPr>
+      <p:grpSpPr>
+        <a:xfrm>
+          <a:off x="0" y="0"/>
+          <a:ext cx="0" cy="0"/>
+          <a:chOff x="0" y="0"/>
+          <a:chExt cx="0" cy="0"/>
+        </a:xfrm>
+      </p:grpSpPr>
+      <p:grpSp>
+        <p:nvGrpSpPr>
+          <p:cNvPr id="12" name="Group 11">
+            <a:extLst>
+              <a:ext uri="{FF2B5EF4-FFF2-40B4-BE49-F238E27FC236}">
+                <a16:creationId xmlns:a16="http://schemas.microsoft.com/office/drawing/2014/main" id="{88C9B83F-64CD-41C1-925F-A08801FFD0BD}"/>
+              </a:ext>
+              <a:ext uri="{C183D7F6-B498-43B3-948B-1728B52AA6E4}">
+                <adec:decorative xmlns:adec="http://schemas.microsoft.com/office/drawing/2017/decorative" val="1"/>
+              </a:ext>
+            </a:extLst>
+          </p:cNvPr>
+          <p:cNvGrpSpPr>
+            <a:grpSpLocks noGrp="1" noUngrp="1" noRot="1" noChangeAspect="1" noMove="1" noResize="1"/>
+          </p:cNvGrpSpPr>
+          <p:nvPr>
+            <p:extLst>
+              <p:ext uri="{386F3935-93C4-4BCD-93E2-E3B085C9AB24}">
+                <p16:designElem xmlns:p16="http://schemas.microsoft.com/office/powerpoint/2015/main" val="1"/>
+              </p:ext>
+            </p:extLst>
+          </p:nvPr>
+        </p:nvGrpSpPr>
+        <p:grpSpPr>
+          <a:xfrm>
+            <a:off x="0" y="-8467"/>
+            <a:ext cx="12192000" cy="6866467"/>
+            <a:chOff x="0" y="-8467"/>
+            <a:chExt cx="12192000" cy="6866467"/>
+          </a:xfrm>
+        </p:grpSpPr>
+        <p:cxnSp>
+          <p:nvCxnSpPr>
+            <p:cNvPr id="13" name="Straight Connector 12">
+              <a:extLst>
+                <a:ext uri="{FF2B5EF4-FFF2-40B4-BE49-F238E27FC236}">
+                  <a16:creationId xmlns:a16="http://schemas.microsoft.com/office/drawing/2014/main" id="{E1655065-0BD7-4422-BEC0-4401E998090A}"/>
+                </a:ext>
+                <a:ext uri="{C183D7F6-B498-43B3-948B-1728B52AA6E4}">
+                  <adec:decorative xmlns:adec="http://schemas.microsoft.com/office/drawing/2017/decorative" val="1"/>
+                </a:ext>
+              </a:extLst>
+            </p:cNvPr>
+            <p:cNvCxnSpPr/>
+            <p:nvPr>
+              <p:extLst>
+                <p:ext uri="{386F3935-93C4-4BCD-93E2-E3B085C9AB24}">
+                  <p16:designElem xmlns:p16="http://schemas.microsoft.com/office/powerpoint/2015/main" val="1"/>
+                </p:ext>
+              </p:extLst>
+            </p:nvPr>
+          </p:nvCxnSpPr>
+          <p:spPr>
+            <a:xfrm>
+              <a:off x="9371012" y="0"/>
+              <a:ext cx="1219200" cy="6858000"/>
+            </a:xfrm>
+            <a:prstGeom prst="line">
+              <a:avLst/>
+            </a:prstGeom>
+            <a:ln w="9525">
+              <a:solidFill>
+                <a:schemeClr val="bg1">
+                  <a:lumMod val="75000"/>
+                </a:schemeClr>
+              </a:solidFill>
+            </a:ln>
+          </p:spPr>
+          <p:style>
+            <a:lnRef idx="2">
+              <a:schemeClr val="accent1"/>
+            </a:lnRef>
+            <a:fillRef idx="0">
+              <a:schemeClr val="accent1"/>
+            </a:fillRef>
+            <a:effectRef idx="1">
+              <a:schemeClr val="accent1"/>
+            </a:effectRef>
+            <a:fontRef idx="minor">
+              <a:schemeClr val="tx1"/>
+            </a:fontRef>
+          </p:style>
+        </p:cxnSp>
+        <p:cxnSp>
+          <p:nvCxnSpPr>
+            <p:cNvPr id="14" name="Straight Connector 13">
+              <a:extLst>
+                <a:ext uri="{FF2B5EF4-FFF2-40B4-BE49-F238E27FC236}">
+                  <a16:creationId xmlns:a16="http://schemas.microsoft.com/office/drawing/2014/main" id="{4DDD90AC-ABEC-4A76-9C9C-AD0A5F8FC7F2}"/>
+                </a:ext>
+                <a:ext uri="{C183D7F6-B498-43B3-948B-1728B52AA6E4}">
+                  <adec:decorative xmlns:adec="http://schemas.microsoft.com/office/drawing/2017/decorative" val="1"/>
+                </a:ext>
+              </a:extLst>
+            </p:cNvPr>
+            <p:cNvCxnSpPr/>
+            <p:nvPr>
+              <p:extLst>
+                <p:ext uri="{386F3935-93C4-4BCD-93E2-E3B085C9AB24}">
+                  <p16:designElem xmlns:p16="http://schemas.microsoft.com/office/powerpoint/2015/main" val="1"/>
+                </p:ext>
+              </p:extLst>
+            </p:nvPr>
+          </p:nvCxnSpPr>
+          <p:spPr>
+            <a:xfrm flipH="1">
+              <a:off x="7425267" y="3681413"/>
+              <a:ext cx="4763558" cy="3176587"/>
+            </a:xfrm>
+            <a:prstGeom prst="line">
+              <a:avLst/>
+            </a:prstGeom>
+            <a:ln w="9525">
+              <a:solidFill>
+                <a:schemeClr val="bg1">
+                  <a:lumMod val="85000"/>
+                </a:schemeClr>
+              </a:solidFill>
+            </a:ln>
+          </p:spPr>
+          <p:style>
+            <a:lnRef idx="2">
+              <a:schemeClr val="accent1"/>
+            </a:lnRef>
+            <a:fillRef idx="0">
+              <a:schemeClr val="accent1"/>
+            </a:fillRef>
+            <a:effectRef idx="1">
+              <a:schemeClr val="accent1"/>
+            </a:effectRef>
+            <a:fontRef idx="minor">
+              <a:schemeClr val="tx1"/>
+            </a:fontRef>
+          </p:style>
+        </p:cxnSp>
+        <p:sp>
+          <p:nvSpPr>
+            <p:cNvPr id="15" name="Rectangle 23">
+              <a:extLst>
+                <a:ext uri="{FF2B5EF4-FFF2-40B4-BE49-F238E27FC236}">
+                  <a16:creationId xmlns:a16="http://schemas.microsoft.com/office/drawing/2014/main" id="{21A8AFEF-EC50-4C0B-9C64-814B76C82090}"/>
+                </a:ext>
+                <a:ext uri="{C183D7F6-B498-43B3-948B-1728B52AA6E4}">
+                  <adec:decorative xmlns:adec="http://schemas.microsoft.com/office/drawing/2017/decorative" val="1"/>
+                </a:ext>
+              </a:extLst>
+            </p:cNvPr>
+            <p:cNvSpPr/>
+            <p:nvPr>
+              <p:extLst>
+                <p:ext uri="{386F3935-93C4-4BCD-93E2-E3B085C9AB24}">
+                  <p16:designElem xmlns:p16="http://schemas.microsoft.com/office/powerpoint/2015/main" val="1"/>
+                </p:ext>
+              </p:extLst>
+            </p:nvPr>
+          </p:nvSpPr>
+          <p:spPr>
+            <a:xfrm>
+              <a:off x="9181476" y="-8467"/>
+              <a:ext cx="3007349" cy="6866467"/>
+            </a:xfrm>
+            <a:custGeom>
+              <a:avLst/>
+              <a:gdLst/>
+              <a:ahLst/>
+              <a:cxnLst/>
+              <a:rect l="l" t="t" r="r" b="b"/>
+              <a:pathLst>
+                <a:path w="3007349" h="6866467">
+                  <a:moveTo>
+                    <a:pt x="2045532" y="0"/>
+                  </a:moveTo>
+                  <a:lnTo>
+                    <a:pt x="3007349" y="0"/>
+                  </a:lnTo>
+                  <a:lnTo>
+                    <a:pt x="3007349" y="6866467"/>
+                  </a:lnTo>
+                  <a:lnTo>
+                    <a:pt x="0" y="6866467"/>
+                  </a:lnTo>
+                  <a:lnTo>
+                    <a:pt x="2045532" y="0"/>
+                  </a:lnTo>
+                  <a:close/>
+                </a:path>
+              </a:pathLst>
+            </a:custGeom>
+            <a:solidFill>
+              <a:schemeClr val="accent1">
+                <a:alpha val="30000"/>
+              </a:schemeClr>
+            </a:solidFill>
+            <a:ln>
+              <a:noFill/>
+            </a:ln>
+            <a:effectLst/>
+          </p:spPr>
+          <p:style>
+            <a:lnRef idx="1">
+              <a:schemeClr val="accent1"/>
+            </a:lnRef>
+            <a:fillRef idx="3">
+              <a:schemeClr val="accent1"/>
+            </a:fillRef>
+            <a:effectRef idx="2">
+              <a:schemeClr val="accent1"/>
+            </a:effectRef>
+            <a:fontRef idx="minor">
+              <a:schemeClr val="lt1"/>
+            </a:fontRef>
+          </p:style>
+        </p:sp>
+        <p:sp>
+          <p:nvSpPr>
+            <p:cNvPr id="16" name="Rectangle 25">
+              <a:extLst>
+                <a:ext uri="{FF2B5EF4-FFF2-40B4-BE49-F238E27FC236}">
+                  <a16:creationId xmlns:a16="http://schemas.microsoft.com/office/drawing/2014/main" id="{CAFAA800-E117-4357-84E4-56B63EA03E37}"/>
+                </a:ext>
+                <a:ext uri="{C183D7F6-B498-43B3-948B-1728B52AA6E4}">
+                  <adec:decorative xmlns:adec="http://schemas.microsoft.com/office/drawing/2017/decorative" val="1"/>
+                </a:ext>
+              </a:extLst>
+            </p:cNvPr>
+            <p:cNvSpPr/>
+            <p:nvPr>
+              <p:extLst>
+                <p:ext uri="{386F3935-93C4-4BCD-93E2-E3B085C9AB24}">
+                  <p16:designElem xmlns:p16="http://schemas.microsoft.com/office/powerpoint/2015/main" val="1"/>
+                </p:ext>
+              </p:extLst>
+            </p:nvPr>
+          </p:nvSpPr>
+          <p:spPr>
+            <a:xfrm>
+              <a:off x="9603442" y="-8467"/>
+              <a:ext cx="2588558" cy="6866467"/>
+            </a:xfrm>
+            <a:custGeom>
+              <a:avLst/>
+              <a:gdLst/>
+              <a:ahLst/>
+              <a:cxnLst/>
+              <a:rect l="l" t="t" r="r" b="b"/>
+              <a:pathLst>
+                <a:path w="2573311" h="6866467">
+                  <a:moveTo>
+                    <a:pt x="0" y="0"/>
+                  </a:moveTo>
+                  <a:lnTo>
+                    <a:pt x="2573311" y="0"/>
+                  </a:lnTo>
+                  <a:lnTo>
+                    <a:pt x="2573311" y="6866467"/>
+                  </a:lnTo>
+                  <a:lnTo>
+                    <a:pt x="1202336" y="6866467"/>
+                  </a:lnTo>
+                  <a:lnTo>
+                    <a:pt x="0" y="0"/>
+                  </a:lnTo>
+                  <a:close/>
+                </a:path>
+              </a:pathLst>
+            </a:custGeom>
+            <a:solidFill>
+              <a:schemeClr val="accent1">
+                <a:alpha val="20000"/>
+              </a:schemeClr>
+            </a:solidFill>
+            <a:ln>
+              <a:noFill/>
+            </a:ln>
+            <a:effectLst/>
+          </p:spPr>
+          <p:style>
+            <a:lnRef idx="1">
+              <a:schemeClr val="accent1"/>
+            </a:lnRef>
+            <a:fillRef idx="3">
+              <a:schemeClr val="accent1"/>
+            </a:fillRef>
+            <a:effectRef idx="2">
+              <a:schemeClr val="accent1"/>
+            </a:effectRef>
+            <a:fontRef idx="minor">
+              <a:schemeClr val="lt1"/>
+            </a:fontRef>
+          </p:style>
+        </p:sp>
+        <p:sp>
+          <p:nvSpPr>
+            <p:cNvPr id="17" name="Isosceles Triangle 16">
+              <a:extLst>
+                <a:ext uri="{FF2B5EF4-FFF2-40B4-BE49-F238E27FC236}">
+                  <a16:creationId xmlns:a16="http://schemas.microsoft.com/office/drawing/2014/main" id="{8DDFC9F4-3B45-402D-8AD7-60B3F08ED755}"/>
+                </a:ext>
+                <a:ext uri="{C183D7F6-B498-43B3-948B-1728B52AA6E4}">
+                  <adec:decorative xmlns:adec="http://schemas.microsoft.com/office/drawing/2017/decorative" val="1"/>
+                </a:ext>
+              </a:extLst>
+            </p:cNvPr>
+            <p:cNvSpPr/>
+            <p:nvPr>
+              <p:extLst>
+                <p:ext uri="{386F3935-93C4-4BCD-93E2-E3B085C9AB24}">
+                  <p16:designElem xmlns:p16="http://schemas.microsoft.com/office/powerpoint/2015/main" val="1"/>
+                </p:ext>
+              </p:extLst>
+            </p:nvPr>
+          </p:nvSpPr>
+          <p:spPr>
+            <a:xfrm>
+              <a:off x="8932333" y="3048000"/>
+              <a:ext cx="3259667" cy="3810000"/>
+            </a:xfrm>
+            <a:prstGeom prst="triangle">
+              <a:avLst>
+                <a:gd name="adj" fmla="val 100000"/>
+              </a:avLst>
+            </a:prstGeom>
+            <a:solidFill>
+              <a:schemeClr val="accent2">
+                <a:alpha val="72000"/>
+              </a:schemeClr>
+            </a:solidFill>
+            <a:ln>
+              <a:noFill/>
+            </a:ln>
+            <a:effectLst/>
+          </p:spPr>
+          <p:style>
+            <a:lnRef idx="1">
+              <a:schemeClr val="accent1"/>
+            </a:lnRef>
+            <a:fillRef idx="3">
+              <a:schemeClr val="accent1"/>
+            </a:fillRef>
+            <a:effectRef idx="2">
+              <a:schemeClr val="accent1"/>
+            </a:effectRef>
+            <a:fontRef idx="minor">
+              <a:schemeClr val="lt1"/>
+            </a:fontRef>
+          </p:style>
+        </p:sp>
+        <p:sp>
+          <p:nvSpPr>
+            <p:cNvPr id="18" name="Rectangle 27">
+              <a:extLst>
+                <a:ext uri="{FF2B5EF4-FFF2-40B4-BE49-F238E27FC236}">
+                  <a16:creationId xmlns:a16="http://schemas.microsoft.com/office/drawing/2014/main" id="{F26A0854-FBE4-4587-B349-06BE192BD7F6}"/>
+                </a:ext>
+                <a:ext uri="{C183D7F6-B498-43B3-948B-1728B52AA6E4}">
+                  <adec:decorative xmlns:adec="http://schemas.microsoft.com/office/drawing/2017/decorative" val="1"/>
+                </a:ext>
+              </a:extLst>
+            </p:cNvPr>
+            <p:cNvSpPr/>
+            <p:nvPr>
+              <p:extLst>
+                <p:ext uri="{386F3935-93C4-4BCD-93E2-E3B085C9AB24}">
+                  <p16:designElem xmlns:p16="http://schemas.microsoft.com/office/powerpoint/2015/main" val="1"/>
+                </p:ext>
+              </p:extLst>
+            </p:nvPr>
+          </p:nvSpPr>
+          <p:spPr>
+            <a:xfrm>
+              <a:off x="9334500" y="-8467"/>
+              <a:ext cx="2854326" cy="6866467"/>
+            </a:xfrm>
+            <a:custGeom>
+              <a:avLst/>
+              <a:gdLst/>
+              <a:ahLst/>
+              <a:cxnLst/>
+              <a:rect l="l" t="t" r="r" b="b"/>
+              <a:pathLst>
+                <a:path w="2858013" h="6866467">
+                  <a:moveTo>
+                    <a:pt x="0" y="0"/>
+                  </a:moveTo>
+                  <a:lnTo>
+                    <a:pt x="2858013" y="0"/>
+                  </a:lnTo>
+                  <a:lnTo>
+                    <a:pt x="2858013" y="6866467"/>
+                  </a:lnTo>
+                  <a:lnTo>
+                    <a:pt x="2473942" y="6866467"/>
+                  </a:lnTo>
+                  <a:lnTo>
+                    <a:pt x="0" y="0"/>
+                  </a:lnTo>
+                  <a:close/>
+                </a:path>
+              </a:pathLst>
+            </a:custGeom>
+            <a:solidFill>
+              <a:schemeClr val="accent2">
+                <a:lumMod val="75000"/>
+                <a:alpha val="70000"/>
+              </a:schemeClr>
+            </a:solidFill>
+            <a:ln>
+              <a:noFill/>
+            </a:ln>
+            <a:effectLst/>
+          </p:spPr>
+          <p:style>
+            <a:lnRef idx="1">
+              <a:schemeClr val="accent1"/>
+            </a:lnRef>
+            <a:fillRef idx="3">
+              <a:schemeClr val="accent1"/>
+            </a:fillRef>
+            <a:effectRef idx="2">
+              <a:schemeClr val="accent1"/>
+            </a:effectRef>
+            <a:fontRef idx="minor">
+              <a:schemeClr val="lt1"/>
+            </a:fontRef>
+          </p:style>
+        </p:sp>
+        <p:sp>
+          <p:nvSpPr>
+            <p:cNvPr id="19" name="Rectangle 28">
+              <a:extLst>
+                <a:ext uri="{FF2B5EF4-FFF2-40B4-BE49-F238E27FC236}">
+                  <a16:creationId xmlns:a16="http://schemas.microsoft.com/office/drawing/2014/main" id="{54A9C4C6-FF7D-470E-BFCA-CE4F60A1F0A8}"/>
+                </a:ext>
+                <a:ext uri="{C183D7F6-B498-43B3-948B-1728B52AA6E4}">
+                  <adec:decorative xmlns:adec="http://schemas.microsoft.com/office/drawing/2017/decorative" val="1"/>
+                </a:ext>
+              </a:extLst>
+            </p:cNvPr>
+            <p:cNvSpPr/>
+            <p:nvPr>
+              <p:extLst>
+                <p:ext uri="{386F3935-93C4-4BCD-93E2-E3B085C9AB24}">
+                  <p16:designElem xmlns:p16="http://schemas.microsoft.com/office/powerpoint/2015/main" val="1"/>
+                </p:ext>
+              </p:extLst>
+            </p:nvPr>
+          </p:nvSpPr>
+          <p:spPr>
+            <a:xfrm>
+              <a:off x="10898730" y="-8467"/>
+              <a:ext cx="1290094" cy="6866467"/>
+            </a:xfrm>
+            <a:custGeom>
+              <a:avLst/>
+              <a:gdLst/>
+              <a:ahLst/>
+              <a:cxnLst/>
+              <a:rect l="l" t="t" r="r" b="b"/>
+              <a:pathLst>
+                <a:path w="1290094" h="6858000">
+                  <a:moveTo>
+                    <a:pt x="1019735" y="0"/>
+                  </a:moveTo>
+                  <a:lnTo>
+                    <a:pt x="1290094" y="0"/>
+                  </a:lnTo>
+                  <a:lnTo>
+                    <a:pt x="1290094" y="6858000"/>
+                  </a:lnTo>
+                  <a:lnTo>
+                    <a:pt x="0" y="6858000"/>
+                  </a:lnTo>
+                  <a:lnTo>
+                    <a:pt x="1019735" y="0"/>
+                  </a:lnTo>
+                  <a:close/>
+                </a:path>
+              </a:pathLst>
+            </a:custGeom>
+            <a:solidFill>
+              <a:schemeClr val="accent1">
+                <a:lumMod val="60000"/>
+                <a:lumOff val="40000"/>
+                <a:alpha val="70000"/>
+              </a:schemeClr>
+            </a:solidFill>
+            <a:ln>
+              <a:noFill/>
+            </a:ln>
+            <a:effectLst/>
+          </p:spPr>
+          <p:style>
+            <a:lnRef idx="1">
+              <a:schemeClr val="accent1"/>
+            </a:lnRef>
+            <a:fillRef idx="3">
+              <a:schemeClr val="accent1"/>
+            </a:fillRef>
+            <a:effectRef idx="2">
+              <a:schemeClr val="accent1"/>
+            </a:effectRef>
+            <a:fontRef idx="minor">
+              <a:schemeClr val="lt1"/>
+            </a:fontRef>
+          </p:style>
+        </p:sp>
+        <p:sp>
+          <p:nvSpPr>
+            <p:cNvPr id="20" name="Rectangle 29">
+              <a:extLst>
+                <a:ext uri="{FF2B5EF4-FFF2-40B4-BE49-F238E27FC236}">
+                  <a16:creationId xmlns:a16="http://schemas.microsoft.com/office/drawing/2014/main" id="{B1721EA8-4871-45D4-B78F-AE805A3004B1}"/>
+                </a:ext>
+                <a:ext uri="{C183D7F6-B498-43B3-948B-1728B52AA6E4}">
+                  <adec:decorative xmlns:adec="http://schemas.microsoft.com/office/drawing/2017/decorative" val="1"/>
+                </a:ext>
+              </a:extLst>
+            </p:cNvPr>
+            <p:cNvSpPr/>
+            <p:nvPr>
+              <p:extLst>
+                <p:ext uri="{386F3935-93C4-4BCD-93E2-E3B085C9AB24}">
+                  <p16:designElem xmlns:p16="http://schemas.microsoft.com/office/powerpoint/2015/main" val="1"/>
+                </p:ext>
+              </p:extLst>
+            </p:nvPr>
+          </p:nvSpPr>
+          <p:spPr>
+            <a:xfrm>
+              <a:off x="10938999" y="-8467"/>
+              <a:ext cx="1249825" cy="6866467"/>
+            </a:xfrm>
+            <a:custGeom>
+              <a:avLst/>
+              <a:gdLst/>
+              <a:ahLst/>
+              <a:cxnLst/>
+              <a:rect l="l" t="t" r="r" b="b"/>
+              <a:pathLst>
+                <a:path w="1249825" h="6858000">
+                  <a:moveTo>
+                    <a:pt x="0" y="0"/>
+                  </a:moveTo>
+                  <a:lnTo>
+                    <a:pt x="1249825" y="0"/>
+                  </a:lnTo>
+                  <a:lnTo>
+                    <a:pt x="1249825" y="6858000"/>
+                  </a:lnTo>
+                  <a:lnTo>
+                    <a:pt x="1109382" y="6858000"/>
+                  </a:lnTo>
+                  <a:lnTo>
+                    <a:pt x="0" y="0"/>
+                  </a:lnTo>
+                  <a:close/>
+                </a:path>
+              </a:pathLst>
+            </a:custGeom>
+            <a:solidFill>
+              <a:schemeClr val="accent1">
+                <a:alpha val="65000"/>
+              </a:schemeClr>
+            </a:solidFill>
+            <a:ln>
+              <a:noFill/>
+            </a:ln>
+            <a:effectLst/>
+          </p:spPr>
+          <p:style>
+            <a:lnRef idx="1">
+              <a:schemeClr val="accent1"/>
+            </a:lnRef>
+            <a:fillRef idx="3">
+              <a:schemeClr val="accent1"/>
+            </a:fillRef>
+            <a:effectRef idx="2">
+              <a:schemeClr val="accent1"/>
+            </a:effectRef>
+            <a:fontRef idx="minor">
+              <a:schemeClr val="lt1"/>
+            </a:fontRef>
+          </p:style>
+        </p:sp>
+        <p:sp>
+          <p:nvSpPr>
+            <p:cNvPr id="21" name="Isosceles Triangle 20">
+              <a:extLst>
+                <a:ext uri="{FF2B5EF4-FFF2-40B4-BE49-F238E27FC236}">
+                  <a16:creationId xmlns:a16="http://schemas.microsoft.com/office/drawing/2014/main" id="{E5763971-E3A3-45C6-9BA8-2E032C7A55EB}"/>
+                </a:ext>
+                <a:ext uri="{C183D7F6-B498-43B3-948B-1728B52AA6E4}">
+                  <adec:decorative xmlns:adec="http://schemas.microsoft.com/office/drawing/2017/decorative" val="1"/>
+                </a:ext>
+              </a:extLst>
+            </p:cNvPr>
+            <p:cNvSpPr/>
+            <p:nvPr>
+              <p:extLst>
+                <p:ext uri="{386F3935-93C4-4BCD-93E2-E3B085C9AB24}">
+                  <p16:designElem xmlns:p16="http://schemas.microsoft.com/office/powerpoint/2015/main" val="1"/>
+                </p:ext>
+              </p:extLst>
+            </p:nvPr>
+          </p:nvSpPr>
+          <p:spPr>
+            <a:xfrm>
+              <a:off x="10371666" y="3589867"/>
+              <a:ext cx="1817159" cy="3268133"/>
+            </a:xfrm>
+            <a:prstGeom prst="triangle">
+              <a:avLst>
+                <a:gd name="adj" fmla="val 100000"/>
+              </a:avLst>
+            </a:prstGeom>
+            <a:solidFill>
+              <a:schemeClr val="accent1">
+                <a:alpha val="80000"/>
+              </a:schemeClr>
+            </a:solidFill>
+            <a:ln>
+              <a:noFill/>
+            </a:ln>
+            <a:effectLst/>
+          </p:spPr>
+          <p:style>
+            <a:lnRef idx="1">
+              <a:schemeClr val="accent1"/>
+            </a:lnRef>
+            <a:fillRef idx="3">
+              <a:schemeClr val="accent1"/>
+            </a:fillRef>
+            <a:effectRef idx="2">
+              <a:schemeClr val="accent1"/>
+            </a:effectRef>
+            <a:fontRef idx="minor">
+              <a:schemeClr val="lt1"/>
+            </a:fontRef>
+          </p:style>
+        </p:sp>
+        <p:sp>
+          <p:nvSpPr>
+            <p:cNvPr id="22" name="Isosceles Triangle 21">
+              <a:extLst>
+                <a:ext uri="{FF2B5EF4-FFF2-40B4-BE49-F238E27FC236}">
+                  <a16:creationId xmlns:a16="http://schemas.microsoft.com/office/drawing/2014/main" id="{32752E94-0E01-4AF5-A43A-F2FAD8737C29}"/>
+                </a:ext>
+                <a:ext uri="{C183D7F6-B498-43B3-948B-1728B52AA6E4}">
+                  <adec:decorative xmlns:adec="http://schemas.microsoft.com/office/drawing/2017/decorative" val="1"/>
+                </a:ext>
+              </a:extLst>
+            </p:cNvPr>
+            <p:cNvSpPr/>
+            <p:nvPr>
+              <p:extLst>
+                <p:ext uri="{386F3935-93C4-4BCD-93E2-E3B085C9AB24}">
+                  <p16:designElem xmlns:p16="http://schemas.microsoft.com/office/powerpoint/2015/main" val="1"/>
+                </p:ext>
+              </p:extLst>
+            </p:nvPr>
+          </p:nvSpPr>
+          <p:spPr>
+            <a:xfrm rot="10800000">
+              <a:off x="0" y="0"/>
+              <a:ext cx="842596" cy="5666154"/>
+            </a:xfrm>
+            <a:prstGeom prst="triangle">
+              <a:avLst>
+                <a:gd name="adj" fmla="val 100000"/>
+              </a:avLst>
+            </a:prstGeom>
+            <a:solidFill>
+              <a:schemeClr val="accent1">
+                <a:alpha val="85000"/>
+              </a:schemeClr>
+            </a:solidFill>
+            <a:ln>
+              <a:noFill/>
+            </a:ln>
+            <a:effectLst/>
+          </p:spPr>
+          <p:style>
+            <a:lnRef idx="1">
+              <a:schemeClr val="accent1"/>
+            </a:lnRef>
+            <a:fillRef idx="3">
+              <a:schemeClr val="accent1"/>
+            </a:fillRef>
+            <a:effectRef idx="2">
+              <a:schemeClr val="accent1"/>
+            </a:effectRef>
+            <a:fontRef idx="minor">
+              <a:schemeClr val="lt1"/>
+            </a:fontRef>
+          </p:style>
+        </p:sp>
+      </p:grpSp>
+      <p:pic>
+        <p:nvPicPr>
+          <p:cNvPr id="7" name="Content Placeholder 6">
+            <a:extLst>
+              <a:ext uri="{FF2B5EF4-FFF2-40B4-BE49-F238E27FC236}">
+                <a16:creationId xmlns:a16="http://schemas.microsoft.com/office/drawing/2014/main" id="{AA92B4F3-8451-4347-BC2C-6B1CB79640E9}"/>
+              </a:ext>
+            </a:extLst>
+          </p:cNvPr>
+          <p:cNvPicPr>
+            <a:picLocks noGrp="1" noChangeAspect="1"/>
+          </p:cNvPicPr>
+          <p:nvPr>
+            <p:ph idx="1"/>
+          </p:nvPr>
+        </p:nvPicPr>
+        <p:blipFill rotWithShape="1">
+          <a:blip r:embed="rId2"/>
+          <a:srcRect t="15730"/>
+          <a:stretch/>
+        </p:blipFill>
+        <p:spPr>
+          <a:xfrm>
+            <a:off x="1" y="10"/>
+            <a:ext cx="12191999" cy="6857990"/>
+          </a:xfrm>
+          <a:prstGeom prst="rect">
+            <a:avLst/>
+          </a:prstGeom>
+        </p:spPr>
+      </p:pic>
+      <p:sp>
+        <p:nvSpPr>
+          <p:cNvPr id="24" name="Isosceles Triangle 23">
+            <a:extLst>
+              <a:ext uri="{FF2B5EF4-FFF2-40B4-BE49-F238E27FC236}">
+                <a16:creationId xmlns:a16="http://schemas.microsoft.com/office/drawing/2014/main" id="{3559A5F2-8BE0-4998-A1E4-1B145465A981}"/>
+              </a:ext>
+              <a:ext uri="{C183D7F6-B498-43B3-948B-1728B52AA6E4}">
+                <adec:decorative xmlns:adec="http://schemas.microsoft.com/office/drawing/2017/decorative" val="1"/>
+              </a:ext>
+            </a:extLst>
+          </p:cNvPr>
+          <p:cNvSpPr>
+            <a:spLocks noGrp="1" noRot="1" noChangeAspect="1" noMove="1" noResize="1" noEditPoints="1" noAdjustHandles="1" noChangeArrowheads="1" noChangeShapeType="1" noTextEdit="1"/>
+          </p:cNvSpPr>
+          <p:nvPr>
+            <p:extLst>
+              <p:ext uri="{386F3935-93C4-4BCD-93E2-E3B085C9AB24}">
+                <p16:designElem xmlns:p16="http://schemas.microsoft.com/office/powerpoint/2015/main" val="1"/>
+              </p:ext>
+            </p:extLst>
+          </p:nvPr>
+        </p:nvSpPr>
+        <p:spPr>
+          <a:xfrm rot="10800000">
+            <a:off x="0" y="0"/>
+            <a:ext cx="842596" cy="5666154"/>
+          </a:xfrm>
+          <a:prstGeom prst="triangle">
+            <a:avLst>
+              <a:gd name="adj" fmla="val 100000"/>
+            </a:avLst>
+          </a:prstGeom>
+          <a:solidFill>
+            <a:schemeClr val="accent1">
+              <a:alpha val="85000"/>
+            </a:schemeClr>
+          </a:solidFill>
+          <a:ln>
+            <a:noFill/>
+          </a:ln>
+          <a:effectLst/>
+        </p:spPr>
+        <p:style>
+          <a:lnRef idx="1">
+            <a:schemeClr val="accent1"/>
+          </a:lnRef>
+          <a:fillRef idx="3">
+            <a:schemeClr val="accent1"/>
+          </a:fillRef>
+          <a:effectRef idx="2">
+            <a:schemeClr val="accent1"/>
+          </a:effectRef>
+          <a:fontRef idx="minor">
+            <a:schemeClr val="lt1"/>
+          </a:fontRef>
+        </p:style>
+      </p:sp>
+      <p:sp>
+        <p:nvSpPr>
+          <p:cNvPr id="26" name="Parallelogram 25">
+            <a:extLst>
+              <a:ext uri="{FF2B5EF4-FFF2-40B4-BE49-F238E27FC236}">
+                <a16:creationId xmlns:a16="http://schemas.microsoft.com/office/drawing/2014/main" id="{3A6596D4-D53C-424F-9F16-CC8686C079E0}"/>
+              </a:ext>
+              <a:ext uri="{C183D7F6-B498-43B3-948B-1728B52AA6E4}">
+                <adec:decorative xmlns:adec="http://schemas.microsoft.com/office/drawing/2017/decorative" val="1"/>
+              </a:ext>
+            </a:extLst>
+          </p:cNvPr>
+          <p:cNvSpPr>
+            <a:spLocks noGrp="1" noRot="1" noChangeAspect="1" noMove="1" noResize="1" noEditPoints="1" noAdjustHandles="1" noChangeArrowheads="1" noChangeShapeType="1" noTextEdit="1"/>
+          </p:cNvSpPr>
+          <p:nvPr>
+            <p:extLst>
+              <p:ext uri="{386F3935-93C4-4BCD-93E2-E3B085C9AB24}">
+                <p16:designElem xmlns:p16="http://schemas.microsoft.com/office/powerpoint/2015/main" val="1"/>
+              </p:ext>
+            </p:extLst>
+          </p:nvPr>
+        </p:nvSpPr>
+        <p:spPr>
+          <a:xfrm>
+            <a:off x="3684541" y="0"/>
+            <a:ext cx="7315200" cy="6858000"/>
+          </a:xfrm>
+          <a:prstGeom prst="parallelogram">
+            <a:avLst>
+              <a:gd name="adj" fmla="val 14937"/>
+            </a:avLst>
+          </a:prstGeom>
+          <a:solidFill>
+            <a:schemeClr val="tx1">
+              <a:alpha val="75000"/>
+            </a:schemeClr>
+          </a:solidFill>
+          <a:ln>
+            <a:noFill/>
+          </a:ln>
+          <a:effectLst/>
+        </p:spPr>
+        <p:style>
+          <a:lnRef idx="1">
+            <a:schemeClr val="accent1"/>
+          </a:lnRef>
+          <a:fillRef idx="3">
+            <a:schemeClr val="accent1"/>
+          </a:fillRef>
+          <a:effectRef idx="2">
+            <a:schemeClr val="accent1"/>
+          </a:effectRef>
+          <a:fontRef idx="minor">
+            <a:schemeClr val="lt1"/>
+          </a:fontRef>
+        </p:style>
+        <p:txBody>
+          <a:bodyPr rtlCol="0" anchor="ctr"/>
+          <a:lstStyle/>
+          <a:p>
+            <a:pPr algn="ctr"/>
+            <a:endParaRPr lang="en-US"/>
+          </a:p>
+        </p:txBody>
+      </p:sp>
+      <p:cxnSp>
+        <p:nvCxnSpPr>
+          <p:cNvPr id="28" name="Straight Connector 27">
+            <a:extLst>
+              <a:ext uri="{FF2B5EF4-FFF2-40B4-BE49-F238E27FC236}">
+                <a16:creationId xmlns:a16="http://schemas.microsoft.com/office/drawing/2014/main" id="{81BB890B-70D4-42FE-A599-6AEF1A42D972}"/>
+              </a:ext>
+              <a:ext uri="{C183D7F6-B498-43B3-948B-1728B52AA6E4}">
+                <adec:decorative xmlns:adec="http://schemas.microsoft.com/office/drawing/2017/decorative" val="1"/>
+              </a:ext>
+            </a:extLst>
+          </p:cNvPr>
+          <p:cNvCxnSpPr>
+            <a:cxnSpLocks noGrp="1" noRot="1" noChangeAspect="1" noMove="1" noResize="1" noEditPoints="1" noAdjustHandles="1" noChangeArrowheads="1" noChangeShapeType="1"/>
+          </p:cNvCxnSpPr>
+          <p:nvPr>
+            <p:extLst>
+              <p:ext uri="{386F3935-93C4-4BCD-93E2-E3B085C9AB24}">
+                <p16:designElem xmlns:p16="http://schemas.microsoft.com/office/powerpoint/2015/main" val="1"/>
+              </p:ext>
+            </p:extLst>
+          </p:nvPr>
+        </p:nvCxnSpPr>
+        <p:spPr>
+          <a:xfrm>
+            <a:off x="9371012" y="0"/>
+            <a:ext cx="1219200" cy="6858000"/>
+          </a:xfrm>
+          <a:prstGeom prst="line">
+            <a:avLst/>
+          </a:prstGeom>
+          <a:ln w="9525">
+            <a:solidFill>
+              <a:schemeClr val="bg1">
+                <a:lumMod val="75000"/>
+              </a:schemeClr>
+            </a:solidFill>
+          </a:ln>
+        </p:spPr>
+        <p:style>
+          <a:lnRef idx="2">
+            <a:schemeClr val="accent1"/>
+          </a:lnRef>
+          <a:fillRef idx="0">
+            <a:schemeClr val="accent1"/>
+          </a:fillRef>
+          <a:effectRef idx="1">
+            <a:schemeClr val="accent1"/>
+          </a:effectRef>
+          <a:fontRef idx="minor">
+            <a:schemeClr val="tx1"/>
+          </a:fontRef>
+        </p:style>
+      </p:cxnSp>
+      <p:cxnSp>
+        <p:nvCxnSpPr>
+          <p:cNvPr id="30" name="Straight Connector 29">
+            <a:extLst>
+              <a:ext uri="{FF2B5EF4-FFF2-40B4-BE49-F238E27FC236}">
+                <a16:creationId xmlns:a16="http://schemas.microsoft.com/office/drawing/2014/main" id="{3842D646-B58C-43C8-8152-01BC782B725D}"/>
+              </a:ext>
+              <a:ext uri="{C183D7F6-B498-43B3-948B-1728B52AA6E4}">
+                <adec:decorative xmlns:adec="http://schemas.microsoft.com/office/drawing/2017/decorative" val="1"/>
+              </a:ext>
+            </a:extLst>
+          </p:cNvPr>
+          <p:cNvCxnSpPr>
+            <a:cxnSpLocks noGrp="1" noRot="1" noChangeAspect="1" noMove="1" noResize="1" noEditPoints="1" noAdjustHandles="1" noChangeArrowheads="1" noChangeShapeType="1"/>
+          </p:cNvCxnSpPr>
+          <p:nvPr>
+            <p:extLst>
+              <p:ext uri="{386F3935-93C4-4BCD-93E2-E3B085C9AB24}">
+                <p16:designElem xmlns:p16="http://schemas.microsoft.com/office/powerpoint/2015/main" val="1"/>
+              </p:ext>
+            </p:extLst>
+          </p:nvPr>
+        </p:nvCxnSpPr>
+        <p:spPr>
+          <a:xfrm flipH="1">
+            <a:off x="7425267" y="3681413"/>
+            <a:ext cx="4763558" cy="3176587"/>
+          </a:xfrm>
+          <a:prstGeom prst="line">
+            <a:avLst/>
+          </a:prstGeom>
+          <a:ln w="9525">
+            <a:solidFill>
+              <a:schemeClr val="bg1">
+                <a:lumMod val="85000"/>
+              </a:schemeClr>
+            </a:solidFill>
+          </a:ln>
+        </p:spPr>
+        <p:style>
+          <a:lnRef idx="2">
+            <a:schemeClr val="accent1"/>
+          </a:lnRef>
+          <a:fillRef idx="0">
+            <a:schemeClr val="accent1"/>
+          </a:fillRef>
+          <a:effectRef idx="1">
+            <a:schemeClr val="accent1"/>
+          </a:effectRef>
+          <a:fontRef idx="minor">
+            <a:schemeClr val="tx1"/>
+          </a:fontRef>
+        </p:style>
+      </p:cxnSp>
+      <p:sp>
+        <p:nvSpPr>
+          <p:cNvPr id="32" name="Rectangle 23">
+            <a:extLst>
+              <a:ext uri="{FF2B5EF4-FFF2-40B4-BE49-F238E27FC236}">
+                <a16:creationId xmlns:a16="http://schemas.microsoft.com/office/drawing/2014/main" id="{9772CABD-4211-42AA-B349-D4002E52F1EF}"/>
+              </a:ext>
+              <a:ext uri="{C183D7F6-B498-43B3-948B-1728B52AA6E4}">
+                <adec:decorative xmlns:adec="http://schemas.microsoft.com/office/drawing/2017/decorative" val="1"/>
+              </a:ext>
+            </a:extLst>
+          </p:cNvPr>
+          <p:cNvSpPr>
+            <a:spLocks noGrp="1" noRot="1" noChangeAspect="1" noMove="1" noResize="1" noEditPoints="1" noAdjustHandles="1" noChangeArrowheads="1" noChangeShapeType="1" noTextEdit="1"/>
+          </p:cNvSpPr>
+          <p:nvPr>
+            <p:extLst>
+              <p:ext uri="{386F3935-93C4-4BCD-93E2-E3B085C9AB24}">
+                <p16:designElem xmlns:p16="http://schemas.microsoft.com/office/powerpoint/2015/main" val="1"/>
+              </p:ext>
+            </p:extLst>
+          </p:nvPr>
+        </p:nvSpPr>
+        <p:spPr>
+          <a:xfrm>
+            <a:off x="9181476" y="-8467"/>
+            <a:ext cx="3007349" cy="6866467"/>
+          </a:xfrm>
+          <a:custGeom>
+            <a:avLst/>
+            <a:gdLst/>
+            <a:ahLst/>
+            <a:cxnLst/>
+            <a:rect l="l" t="t" r="r" b="b"/>
+            <a:pathLst>
+              <a:path w="3007349" h="6866467">
+                <a:moveTo>
+                  <a:pt x="2045532" y="0"/>
+                </a:moveTo>
+                <a:lnTo>
+                  <a:pt x="3007349" y="0"/>
+                </a:lnTo>
+                <a:lnTo>
+                  <a:pt x="3007349" y="6866467"/>
+                </a:lnTo>
+                <a:lnTo>
+                  <a:pt x="0" y="6866467"/>
+                </a:lnTo>
+                <a:lnTo>
+                  <a:pt x="2045532" y="0"/>
+                </a:lnTo>
+                <a:close/>
+              </a:path>
+            </a:pathLst>
+          </a:custGeom>
+          <a:solidFill>
+            <a:schemeClr val="accent1">
+              <a:alpha val="30000"/>
+            </a:schemeClr>
+          </a:solidFill>
+          <a:ln>
+            <a:noFill/>
+          </a:ln>
+          <a:effectLst/>
+        </p:spPr>
+        <p:style>
+          <a:lnRef idx="1">
+            <a:schemeClr val="accent1"/>
+          </a:lnRef>
+          <a:fillRef idx="3">
+            <a:schemeClr val="accent1"/>
+          </a:fillRef>
+          <a:effectRef idx="2">
+            <a:schemeClr val="accent1"/>
+          </a:effectRef>
+          <a:fontRef idx="minor">
+            <a:schemeClr val="lt1"/>
+          </a:fontRef>
+        </p:style>
+      </p:sp>
+      <p:sp>
+        <p:nvSpPr>
+          <p:cNvPr id="34" name="Rectangle 25">
+            <a:extLst>
+              <a:ext uri="{FF2B5EF4-FFF2-40B4-BE49-F238E27FC236}">
+                <a16:creationId xmlns:a16="http://schemas.microsoft.com/office/drawing/2014/main" id="{BBD91630-4DBA-4294-8016-FEB5C3B0CED1}"/>
+              </a:ext>
+              <a:ext uri="{C183D7F6-B498-43B3-948B-1728B52AA6E4}">
+                <adec:decorative xmlns:adec="http://schemas.microsoft.com/office/drawing/2017/decorative" val="1"/>
+              </a:ext>
+            </a:extLst>
+          </p:cNvPr>
+          <p:cNvSpPr>
+            <a:spLocks noGrp="1" noRot="1" noChangeAspect="1" noMove="1" noResize="1" noEditPoints="1" noAdjustHandles="1" noChangeArrowheads="1" noChangeShapeType="1" noTextEdit="1"/>
+          </p:cNvSpPr>
+          <p:nvPr>
+            <p:extLst>
+              <p:ext uri="{386F3935-93C4-4BCD-93E2-E3B085C9AB24}">
+                <p16:designElem xmlns:p16="http://schemas.microsoft.com/office/powerpoint/2015/main" val="1"/>
+              </p:ext>
+            </p:extLst>
+          </p:nvPr>
+        </p:nvSpPr>
+        <p:spPr>
+          <a:xfrm>
+            <a:off x="9603442" y="-8467"/>
+            <a:ext cx="2588558" cy="6866467"/>
+          </a:xfrm>
+          <a:custGeom>
+            <a:avLst/>
+            <a:gdLst/>
+            <a:ahLst/>
+            <a:cxnLst/>
+            <a:rect l="l" t="t" r="r" b="b"/>
+            <a:pathLst>
+              <a:path w="2573311" h="6866467">
+                <a:moveTo>
+                  <a:pt x="0" y="0"/>
+                </a:moveTo>
+                <a:lnTo>
+                  <a:pt x="2573311" y="0"/>
+                </a:lnTo>
+                <a:lnTo>
+                  <a:pt x="2573311" y="6866467"/>
+                </a:lnTo>
+                <a:lnTo>
+                  <a:pt x="1202336" y="6866467"/>
+                </a:lnTo>
+                <a:lnTo>
+                  <a:pt x="0" y="0"/>
+                </a:lnTo>
+                <a:close/>
+              </a:path>
+            </a:pathLst>
+          </a:custGeom>
+          <a:solidFill>
+            <a:schemeClr val="accent1">
+              <a:alpha val="20000"/>
+            </a:schemeClr>
+          </a:solidFill>
+          <a:ln>
+            <a:noFill/>
+          </a:ln>
+          <a:effectLst/>
+        </p:spPr>
+        <p:style>
+          <a:lnRef idx="1">
+            <a:schemeClr val="accent1"/>
+          </a:lnRef>
+          <a:fillRef idx="3">
+            <a:schemeClr val="accent1"/>
+          </a:fillRef>
+          <a:effectRef idx="2">
+            <a:schemeClr val="accent1"/>
+          </a:effectRef>
+          <a:fontRef idx="minor">
+            <a:schemeClr val="lt1"/>
+          </a:fontRef>
+        </p:style>
+      </p:sp>
+      <p:sp>
+        <p:nvSpPr>
+          <p:cNvPr id="36" name="Isosceles Triangle 35">
+            <a:extLst>
+              <a:ext uri="{FF2B5EF4-FFF2-40B4-BE49-F238E27FC236}">
+                <a16:creationId xmlns:a16="http://schemas.microsoft.com/office/drawing/2014/main" id="{E67D1587-504D-41BC-9D48-B61257BFBCF0}"/>
+              </a:ext>
+              <a:ext uri="{C183D7F6-B498-43B3-948B-1728B52AA6E4}">
+                <adec:decorative xmlns:adec="http://schemas.microsoft.com/office/drawing/2017/decorative" val="1"/>
+              </a:ext>
+            </a:extLst>
+          </p:cNvPr>
+          <p:cNvSpPr>
+            <a:spLocks noGrp="1" noRot="1" noChangeAspect="1" noMove="1" noResize="1" noEditPoints="1" noAdjustHandles="1" noChangeArrowheads="1" noChangeShapeType="1" noTextEdit="1"/>
+          </p:cNvSpPr>
+          <p:nvPr>
+            <p:extLst>
+              <p:ext uri="{386F3935-93C4-4BCD-93E2-E3B085C9AB24}">
+                <p16:designElem xmlns:p16="http://schemas.microsoft.com/office/powerpoint/2015/main" val="1"/>
+              </p:ext>
+            </p:extLst>
+          </p:nvPr>
+        </p:nvSpPr>
+        <p:spPr>
+          <a:xfrm>
+            <a:off x="8932333" y="3048000"/>
+            <a:ext cx="3259667" cy="3810000"/>
+          </a:xfrm>
+          <a:prstGeom prst="triangle">
+            <a:avLst>
+              <a:gd name="adj" fmla="val 100000"/>
+            </a:avLst>
+          </a:prstGeom>
+          <a:solidFill>
+            <a:schemeClr val="accent2">
+              <a:alpha val="72000"/>
+            </a:schemeClr>
+          </a:solidFill>
+          <a:ln>
+            <a:noFill/>
+          </a:ln>
+          <a:effectLst/>
+        </p:spPr>
+        <p:style>
+          <a:lnRef idx="1">
+            <a:schemeClr val="accent1"/>
+          </a:lnRef>
+          <a:fillRef idx="3">
+            <a:schemeClr val="accent1"/>
+          </a:fillRef>
+          <a:effectRef idx="2">
+            <a:schemeClr val="accent1"/>
+          </a:effectRef>
+          <a:fontRef idx="minor">
+            <a:schemeClr val="lt1"/>
+          </a:fontRef>
+        </p:style>
+      </p:sp>
+      <p:sp>
+        <p:nvSpPr>
+          <p:cNvPr id="2" name="Title 1">
+            <a:extLst>
+              <a:ext uri="{FF2B5EF4-FFF2-40B4-BE49-F238E27FC236}">
+                <a16:creationId xmlns:a16="http://schemas.microsoft.com/office/drawing/2014/main" id="{B74E5748-60AF-445F-8804-72B1D2C4C6E6}"/>
+              </a:ext>
+            </a:extLst>
+          </p:cNvPr>
+          <p:cNvSpPr>
+            <a:spLocks noGrp="1"/>
+          </p:cNvSpPr>
+          <p:nvPr>
+            <p:ph type="title"/>
+          </p:nvPr>
+        </p:nvSpPr>
+        <p:spPr>
+          <a:xfrm>
+            <a:off x="4704200" y="1678665"/>
+            <a:ext cx="4569803" cy="2369131"/>
+          </a:xfrm>
+        </p:spPr>
+        <p:txBody>
+          <a:bodyPr vert="horz" lIns="91440" tIns="45720" rIns="91440" bIns="45720" rtlCol="0" anchor="b">
+            <a:normAutofit/>
+          </a:bodyPr>
+          <a:lstStyle/>
+          <a:p>
+            <a:pPr algn="r"/>
+            <a:r>
+              <a:rPr lang="en-US" sz="5400"/>
+              <a:t>.</a:t>
+            </a:r>
+          </a:p>
+        </p:txBody>
+      </p:sp>
+      <p:sp>
+        <p:nvSpPr>
+          <p:cNvPr id="38" name="Rectangle 27">
+            <a:extLst>
+              <a:ext uri="{FF2B5EF4-FFF2-40B4-BE49-F238E27FC236}">
+                <a16:creationId xmlns:a16="http://schemas.microsoft.com/office/drawing/2014/main" id="{8765DD1A-F044-4DE7-8A9B-7C30DC85A4AF}"/>
+              </a:ext>
+              <a:ext uri="{C183D7F6-B498-43B3-948B-1728B52AA6E4}">
+                <adec:decorative xmlns:adec="http://schemas.microsoft.com/office/drawing/2017/decorative" val="1"/>
+              </a:ext>
+            </a:extLst>
+          </p:cNvPr>
+          <p:cNvSpPr>
+            <a:spLocks noGrp="1" noRot="1" noChangeAspect="1" noMove="1" noResize="1" noEditPoints="1" noAdjustHandles="1" noChangeArrowheads="1" noChangeShapeType="1" noTextEdit="1"/>
+          </p:cNvSpPr>
+          <p:nvPr>
+            <p:extLst>
+              <p:ext uri="{386F3935-93C4-4BCD-93E2-E3B085C9AB24}">
+                <p16:designElem xmlns:p16="http://schemas.microsoft.com/office/powerpoint/2015/main" val="1"/>
+              </p:ext>
+            </p:extLst>
+          </p:nvPr>
+        </p:nvSpPr>
+        <p:spPr>
+          <a:xfrm>
+            <a:off x="9334500" y="-8467"/>
+            <a:ext cx="2854326" cy="6866467"/>
+          </a:xfrm>
+          <a:custGeom>
+            <a:avLst/>
+            <a:gdLst/>
+            <a:ahLst/>
+            <a:cxnLst/>
+            <a:rect l="l" t="t" r="r" b="b"/>
+            <a:pathLst>
+              <a:path w="2858013" h="6866467">
+                <a:moveTo>
+                  <a:pt x="0" y="0"/>
+                </a:moveTo>
+                <a:lnTo>
+                  <a:pt x="2858013" y="0"/>
+                </a:lnTo>
+                <a:lnTo>
+                  <a:pt x="2858013" y="6866467"/>
+                </a:lnTo>
+                <a:lnTo>
+                  <a:pt x="2473942" y="6866467"/>
+                </a:lnTo>
+                <a:lnTo>
+                  <a:pt x="0" y="0"/>
+                </a:lnTo>
+                <a:close/>
+              </a:path>
+            </a:pathLst>
+          </a:custGeom>
+          <a:solidFill>
+            <a:schemeClr val="accent2">
+              <a:lumMod val="75000"/>
+              <a:alpha val="47000"/>
+            </a:schemeClr>
+          </a:solidFill>
+          <a:ln>
+            <a:noFill/>
+          </a:ln>
+          <a:effectLst/>
+        </p:spPr>
+        <p:style>
+          <a:lnRef idx="1">
+            <a:schemeClr val="accent1"/>
+          </a:lnRef>
+          <a:fillRef idx="3">
+            <a:schemeClr val="accent1"/>
+          </a:fillRef>
+          <a:effectRef idx="2">
+            <a:schemeClr val="accent1"/>
+          </a:effectRef>
+          <a:fontRef idx="minor">
+            <a:schemeClr val="lt1"/>
+          </a:fontRef>
+        </p:style>
+      </p:sp>
+      <p:sp>
+        <p:nvSpPr>
+          <p:cNvPr id="40" name="Rectangle 28">
+            <a:extLst>
+              <a:ext uri="{FF2B5EF4-FFF2-40B4-BE49-F238E27FC236}">
+                <a16:creationId xmlns:a16="http://schemas.microsoft.com/office/drawing/2014/main" id="{2FE2170D-72D6-48A8-8E9A-BFF3BF03D032}"/>
+              </a:ext>
+              <a:ext uri="{C183D7F6-B498-43B3-948B-1728B52AA6E4}">
+                <adec:decorative xmlns:adec="http://schemas.microsoft.com/office/drawing/2017/decorative" val="1"/>
+              </a:ext>
+            </a:extLst>
+          </p:cNvPr>
+          <p:cNvSpPr>
+            <a:spLocks noGrp="1" noRot="1" noChangeAspect="1" noMove="1" noResize="1" noEditPoints="1" noAdjustHandles="1" noChangeArrowheads="1" noChangeShapeType="1" noTextEdit="1"/>
+          </p:cNvSpPr>
+          <p:nvPr>
+            <p:extLst>
+              <p:ext uri="{386F3935-93C4-4BCD-93E2-E3B085C9AB24}">
+                <p16:designElem xmlns:p16="http://schemas.microsoft.com/office/powerpoint/2015/main" val="1"/>
+              </p:ext>
+            </p:extLst>
+          </p:nvPr>
+        </p:nvSpPr>
+        <p:spPr>
+          <a:xfrm>
+            <a:off x="10898730" y="-8467"/>
+            <a:ext cx="1290094" cy="6866467"/>
+          </a:xfrm>
+          <a:custGeom>
+            <a:avLst/>
+            <a:gdLst/>
+            <a:ahLst/>
+            <a:cxnLst/>
+            <a:rect l="l" t="t" r="r" b="b"/>
+            <a:pathLst>
+              <a:path w="1290094" h="6858000">
+                <a:moveTo>
+                  <a:pt x="1019735" y="0"/>
+                </a:moveTo>
+                <a:lnTo>
+                  <a:pt x="1290094" y="0"/>
+                </a:lnTo>
+                <a:lnTo>
+                  <a:pt x="1290094" y="6858000"/>
+                </a:lnTo>
+                <a:lnTo>
+                  <a:pt x="0" y="6858000"/>
+                </a:lnTo>
+                <a:lnTo>
+                  <a:pt x="1019735" y="0"/>
+                </a:lnTo>
+                <a:close/>
+              </a:path>
+            </a:pathLst>
+          </a:custGeom>
+          <a:solidFill>
+            <a:schemeClr val="accent1">
+              <a:lumMod val="60000"/>
+              <a:lumOff val="40000"/>
+              <a:alpha val="70000"/>
+            </a:schemeClr>
+          </a:solidFill>
+          <a:ln>
+            <a:noFill/>
+          </a:ln>
+          <a:effectLst/>
+        </p:spPr>
+        <p:style>
+          <a:lnRef idx="1">
+            <a:schemeClr val="accent1"/>
+          </a:lnRef>
+          <a:fillRef idx="3">
+            <a:schemeClr val="accent1"/>
+          </a:fillRef>
+          <a:effectRef idx="2">
+            <a:schemeClr val="accent1"/>
+          </a:effectRef>
+          <a:fontRef idx="minor">
+            <a:schemeClr val="lt1"/>
+          </a:fontRef>
+        </p:style>
+      </p:sp>
+      <p:sp>
+        <p:nvSpPr>
+          <p:cNvPr id="42" name="Rectangle 29">
+            <a:extLst>
+              <a:ext uri="{FF2B5EF4-FFF2-40B4-BE49-F238E27FC236}">
+                <a16:creationId xmlns:a16="http://schemas.microsoft.com/office/drawing/2014/main" id="{01D19436-094D-463D-AFEA-870FDBD03797}"/>
+              </a:ext>
+              <a:ext uri="{C183D7F6-B498-43B3-948B-1728B52AA6E4}">
+                <adec:decorative xmlns:adec="http://schemas.microsoft.com/office/drawing/2017/decorative" val="1"/>
+              </a:ext>
+            </a:extLst>
+          </p:cNvPr>
+          <p:cNvSpPr>
+            <a:spLocks noGrp="1" noRot="1" noChangeAspect="1" noMove="1" noResize="1" noEditPoints="1" noAdjustHandles="1" noChangeArrowheads="1" noChangeShapeType="1" noTextEdit="1"/>
+          </p:cNvSpPr>
+          <p:nvPr>
+            <p:extLst>
+              <p:ext uri="{386F3935-93C4-4BCD-93E2-E3B085C9AB24}">
+                <p16:designElem xmlns:p16="http://schemas.microsoft.com/office/powerpoint/2015/main" val="1"/>
+              </p:ext>
+            </p:extLst>
+          </p:nvPr>
+        </p:nvSpPr>
+        <p:spPr>
+          <a:xfrm>
+            <a:off x="10938999" y="-8467"/>
+            <a:ext cx="1249825" cy="6866467"/>
+          </a:xfrm>
+          <a:custGeom>
+            <a:avLst/>
+            <a:gdLst/>
+            <a:ahLst/>
+            <a:cxnLst/>
+            <a:rect l="l" t="t" r="r" b="b"/>
+            <a:pathLst>
+              <a:path w="1249825" h="6858000">
+                <a:moveTo>
+                  <a:pt x="0" y="0"/>
+                </a:moveTo>
+                <a:lnTo>
+                  <a:pt x="1249825" y="0"/>
+                </a:lnTo>
+                <a:lnTo>
+                  <a:pt x="1249825" y="6858000"/>
+                </a:lnTo>
+                <a:lnTo>
+                  <a:pt x="1109382" y="6858000"/>
+                </a:lnTo>
+                <a:lnTo>
+                  <a:pt x="0" y="0"/>
+                </a:lnTo>
+                <a:close/>
+              </a:path>
+            </a:pathLst>
+          </a:custGeom>
+          <a:solidFill>
+            <a:schemeClr val="accent1">
+              <a:alpha val="65000"/>
+            </a:schemeClr>
+          </a:solidFill>
+          <a:ln>
+            <a:noFill/>
+          </a:ln>
+          <a:effectLst/>
+        </p:spPr>
+        <p:style>
+          <a:lnRef idx="1">
+            <a:schemeClr val="accent1"/>
+          </a:lnRef>
+          <a:fillRef idx="3">
+            <a:schemeClr val="accent1"/>
+          </a:fillRef>
+          <a:effectRef idx="2">
+            <a:schemeClr val="accent1"/>
+          </a:effectRef>
+          <a:fontRef idx="minor">
+            <a:schemeClr val="lt1"/>
+          </a:fontRef>
+        </p:style>
+      </p:sp>
+      <p:sp>
+        <p:nvSpPr>
+          <p:cNvPr id="44" name="Isosceles Triangle 43">
+            <a:extLst>
+              <a:ext uri="{FF2B5EF4-FFF2-40B4-BE49-F238E27FC236}">
+                <a16:creationId xmlns:a16="http://schemas.microsoft.com/office/drawing/2014/main" id="{9A2DE6E0-967C-4C58-8558-EC08F1138BD1}"/>
+              </a:ext>
+              <a:ext uri="{C183D7F6-B498-43B3-948B-1728B52AA6E4}">
+                <adec:decorative xmlns:adec="http://schemas.microsoft.com/office/drawing/2017/decorative" val="1"/>
+              </a:ext>
+            </a:extLst>
+          </p:cNvPr>
+          <p:cNvSpPr>
+            <a:spLocks noGrp="1" noRot="1" noChangeAspect="1" noMove="1" noResize="1" noEditPoints="1" noAdjustHandles="1" noChangeArrowheads="1" noChangeShapeType="1" noTextEdit="1"/>
+          </p:cNvSpPr>
+          <p:nvPr>
+            <p:extLst>
+              <p:ext uri="{386F3935-93C4-4BCD-93E2-E3B085C9AB24}">
+                <p16:designElem xmlns:p16="http://schemas.microsoft.com/office/powerpoint/2015/main" val="1"/>
+              </p:ext>
+            </p:extLst>
+          </p:nvPr>
+        </p:nvSpPr>
+        <p:spPr>
+          <a:xfrm>
+            <a:off x="10371666" y="3589867"/>
+            <a:ext cx="1817159" cy="3268133"/>
+          </a:xfrm>
+          <a:prstGeom prst="triangle">
+            <a:avLst>
+              <a:gd name="adj" fmla="val 100000"/>
+            </a:avLst>
+          </a:prstGeom>
+          <a:solidFill>
+            <a:schemeClr val="accent1">
+              <a:alpha val="80000"/>
+            </a:schemeClr>
+          </a:solidFill>
+          <a:ln>
+            <a:noFill/>
+          </a:ln>
+          <a:effectLst/>
+        </p:spPr>
+        <p:style>
+          <a:lnRef idx="1">
+            <a:schemeClr val="accent1"/>
+          </a:lnRef>
+          <a:fillRef idx="3">
+            <a:schemeClr val="accent1"/>
+          </a:fillRef>
+          <a:effectRef idx="2">
+            <a:schemeClr val="accent1"/>
+          </a:effectRef>
+          <a:fontRef idx="minor">
+            <a:schemeClr val="lt1"/>
+          </a:fontRef>
+        </p:style>
+      </p:sp>
+    </p:spTree>
+    <p:extLst>
+      <p:ext uri="{BB962C8B-B14F-4D97-AF65-F5344CB8AC3E}">
+        <p14:creationId xmlns:p14="http://schemas.microsoft.com/office/powerpoint/2010/main" val="3869039871"/>
       </p:ext>
     </p:extLst>
   </p:cSld>
@@ -6092,12 +7653,14 @@
         </p:nvSpPr>
         <p:spPr>
           <a:xfrm>
-            <a:off x="677334" y="2160590"/>
-            <a:ext cx="8596668" cy="1904974"/>
+            <a:off x="677334" y="1126436"/>
+            <a:ext cx="8596668" cy="1987826"/>
           </a:xfrm>
         </p:spPr>
         <p:txBody>
-          <a:bodyPr/>
+          <a:bodyPr>
+            <a:normAutofit/>
+          </a:bodyPr>
           <a:lstStyle/>
           <a:p>
             <a:pPr marL="0" indent="0">
@@ -6105,7 +7668,7 @@
             </a:pPr>
             <a:r>
               <a:rPr lang="en-US" dirty="0"/>
-              <a:t>DATA COLLECTING AND CLEANING:</a:t>
+              <a:t>Data we need:</a:t>
             </a:r>
           </a:p>
           <a:p>
@@ -6114,16 +7677,7 @@
             </a:pPr>
             <a:r>
               <a:rPr lang="en-US" dirty="0"/>
-              <a:t>latitude and longitude numbers of that borough(43.7708175, -79.4132998)</a:t>
-            </a:r>
-          </a:p>
-          <a:p>
-            <a:pPr marL="0" indent="0">
-              <a:buNone/>
-            </a:pPr>
-            <a:r>
-              <a:rPr lang="en-US" dirty="0"/>
-              <a:t>data about different venues in different neighborhoods of that specific borough. In order to gain that information I will use "Foursquare" locational information. (52 venues were returned by Foursquare)</a:t>
+              <a:t>latitude and longitude numbers of that borough(43.7708175, -79.4132998)I will need data about different venues in different neighborhoods of that specific borough. In order to gain that information I will use "Foursquare" locational information. (52 venues were returned by Foursquare)</a:t>
             </a:r>
           </a:p>
           <a:p>
@@ -6140,6 +7694,36 @@
           </a:p>
         </p:txBody>
       </p:sp>
+      <p:pic>
+        <p:nvPicPr>
+          <p:cNvPr id="4" name="Picture 3">
+            <a:extLst>
+              <a:ext uri="{FF2B5EF4-FFF2-40B4-BE49-F238E27FC236}">
+                <a16:creationId xmlns:a16="http://schemas.microsoft.com/office/drawing/2014/main" id="{878DA57F-D01C-4D33-A333-E4A0848CA605}"/>
+              </a:ext>
+            </a:extLst>
+          </p:cNvPr>
+          <p:cNvPicPr>
+            <a:picLocks noChangeAspect="1"/>
+          </p:cNvPicPr>
+          <p:nvPr/>
+        </p:nvPicPr>
+        <p:blipFill>
+          <a:blip r:embed="rId2"/>
+          <a:stretch>
+            <a:fillRect/>
+          </a:stretch>
+        </p:blipFill>
+        <p:spPr>
+          <a:xfrm>
+            <a:off x="1232452" y="2756452"/>
+            <a:ext cx="7010400" cy="2975112"/>
+          </a:xfrm>
+          <a:prstGeom prst="rect">
+            <a:avLst/>
+          </a:prstGeom>
+        </p:spPr>
+      </p:pic>
     </p:spTree>
     <p:extLst>
       <p:ext uri="{BB962C8B-B14F-4D97-AF65-F5344CB8AC3E}">
@@ -6154,6 +7738,1042 @@
 </file>
 
 <file path=ppt/slides/slide4.xml><?xml version="1.0" encoding="utf-8"?>
+<p:sld xmlns:a="http://schemas.openxmlformats.org/drawingml/2006/main" xmlns:r="http://schemas.openxmlformats.org/officeDocument/2006/relationships" xmlns:p="http://schemas.openxmlformats.org/presentationml/2006/main">
+  <p:cSld>
+    <p:bg>
+      <p:bgPr>
+        <a:solidFill>
+          <a:schemeClr val="bg1"/>
+        </a:solidFill>
+        <a:effectLst/>
+      </p:bgPr>
+    </p:bg>
+    <p:spTree>
+      <p:nvGrpSpPr>
+        <p:cNvPr id="1" name=""/>
+        <p:cNvGrpSpPr/>
+        <p:nvPr/>
+      </p:nvGrpSpPr>
+      <p:grpSpPr>
+        <a:xfrm>
+          <a:off x="0" y="0"/>
+          <a:ext cx="0" cy="0"/>
+          <a:chOff x="0" y="0"/>
+          <a:chExt cx="0" cy="0"/>
+        </a:xfrm>
+      </p:grpSpPr>
+      <p:grpSp>
+        <p:nvGrpSpPr>
+          <p:cNvPr id="9" name="Group 8">
+            <a:extLst>
+              <a:ext uri="{FF2B5EF4-FFF2-40B4-BE49-F238E27FC236}">
+                <a16:creationId xmlns:a16="http://schemas.microsoft.com/office/drawing/2014/main" id="{B4DE830A-B531-4A3B-96F6-0ECE88B08555}"/>
+              </a:ext>
+              <a:ext uri="{C183D7F6-B498-43B3-948B-1728B52AA6E4}">
+                <adec:decorative xmlns:adec="http://schemas.microsoft.com/office/drawing/2017/decorative" val="1"/>
+              </a:ext>
+            </a:extLst>
+          </p:cNvPr>
+          <p:cNvGrpSpPr>
+            <a:grpSpLocks noGrp="1" noUngrp="1" noRot="1" noChangeAspect="1" noMove="1" noResize="1"/>
+          </p:cNvGrpSpPr>
+          <p:nvPr>
+            <p:extLst>
+              <p:ext uri="{386F3935-93C4-4BCD-93E2-E3B085C9AB24}">
+                <p16:designElem xmlns:p16="http://schemas.microsoft.com/office/powerpoint/2015/main" val="1"/>
+              </p:ext>
+            </p:extLst>
+          </p:nvPr>
+        </p:nvGrpSpPr>
+        <p:grpSpPr>
+          <a:xfrm>
+            <a:off x="0" y="-8467"/>
+            <a:ext cx="12192000" cy="6866467"/>
+            <a:chOff x="0" y="-8467"/>
+            <a:chExt cx="12192000" cy="6866467"/>
+          </a:xfrm>
+        </p:grpSpPr>
+        <p:cxnSp>
+          <p:nvCxnSpPr>
+            <p:cNvPr id="10" name="Straight Connector 9">
+              <a:extLst>
+                <a:ext uri="{FF2B5EF4-FFF2-40B4-BE49-F238E27FC236}">
+                  <a16:creationId xmlns:a16="http://schemas.microsoft.com/office/drawing/2014/main" id="{2813DF2C-461A-4A8F-9679-A172790D1F3A}"/>
+                </a:ext>
+                <a:ext uri="{C183D7F6-B498-43B3-948B-1728B52AA6E4}">
+                  <adec:decorative xmlns:adec="http://schemas.microsoft.com/office/drawing/2017/decorative" val="1"/>
+                </a:ext>
+              </a:extLst>
+            </p:cNvPr>
+            <p:cNvCxnSpPr/>
+            <p:nvPr>
+              <p:extLst>
+                <p:ext uri="{386F3935-93C4-4BCD-93E2-E3B085C9AB24}">
+                  <p16:designElem xmlns:p16="http://schemas.microsoft.com/office/powerpoint/2015/main" val="1"/>
+                </p:ext>
+              </p:extLst>
+            </p:nvPr>
+          </p:nvCxnSpPr>
+          <p:spPr>
+            <a:xfrm>
+              <a:off x="9371012" y="0"/>
+              <a:ext cx="1219200" cy="6858000"/>
+            </a:xfrm>
+            <a:prstGeom prst="line">
+              <a:avLst/>
+            </a:prstGeom>
+            <a:ln w="9525">
+              <a:solidFill>
+                <a:schemeClr val="bg1">
+                  <a:lumMod val="75000"/>
+                </a:schemeClr>
+              </a:solidFill>
+            </a:ln>
+          </p:spPr>
+          <p:style>
+            <a:lnRef idx="2">
+              <a:schemeClr val="accent1"/>
+            </a:lnRef>
+            <a:fillRef idx="0">
+              <a:schemeClr val="accent1"/>
+            </a:fillRef>
+            <a:effectRef idx="1">
+              <a:schemeClr val="accent1"/>
+            </a:effectRef>
+            <a:fontRef idx="minor">
+              <a:schemeClr val="tx1"/>
+            </a:fontRef>
+          </p:style>
+        </p:cxnSp>
+        <p:cxnSp>
+          <p:nvCxnSpPr>
+            <p:cNvPr id="11" name="Straight Connector 10">
+              <a:extLst>
+                <a:ext uri="{FF2B5EF4-FFF2-40B4-BE49-F238E27FC236}">
+                  <a16:creationId xmlns:a16="http://schemas.microsoft.com/office/drawing/2014/main" id="{54CD3A85-C039-4249-86E4-1EB9318B5495}"/>
+                </a:ext>
+                <a:ext uri="{C183D7F6-B498-43B3-948B-1728B52AA6E4}">
+                  <adec:decorative xmlns:adec="http://schemas.microsoft.com/office/drawing/2017/decorative" val="1"/>
+                </a:ext>
+              </a:extLst>
+            </p:cNvPr>
+            <p:cNvCxnSpPr/>
+            <p:nvPr>
+              <p:extLst>
+                <p:ext uri="{386F3935-93C4-4BCD-93E2-E3B085C9AB24}">
+                  <p16:designElem xmlns:p16="http://schemas.microsoft.com/office/powerpoint/2015/main" val="1"/>
+                </p:ext>
+              </p:extLst>
+            </p:nvPr>
+          </p:nvCxnSpPr>
+          <p:spPr>
+            <a:xfrm flipH="1">
+              <a:off x="7425267" y="3681413"/>
+              <a:ext cx="4763558" cy="3176587"/>
+            </a:xfrm>
+            <a:prstGeom prst="line">
+              <a:avLst/>
+            </a:prstGeom>
+            <a:ln w="9525">
+              <a:solidFill>
+                <a:schemeClr val="bg1">
+                  <a:lumMod val="85000"/>
+                </a:schemeClr>
+              </a:solidFill>
+            </a:ln>
+          </p:spPr>
+          <p:style>
+            <a:lnRef idx="2">
+              <a:schemeClr val="accent1"/>
+            </a:lnRef>
+            <a:fillRef idx="0">
+              <a:schemeClr val="accent1"/>
+            </a:fillRef>
+            <a:effectRef idx="1">
+              <a:schemeClr val="accent1"/>
+            </a:effectRef>
+            <a:fontRef idx="minor">
+              <a:schemeClr val="tx1"/>
+            </a:fontRef>
+          </p:style>
+        </p:cxnSp>
+        <p:sp>
+          <p:nvSpPr>
+            <p:cNvPr id="12" name="Rectangle 23">
+              <a:extLst>
+                <a:ext uri="{FF2B5EF4-FFF2-40B4-BE49-F238E27FC236}">
+                  <a16:creationId xmlns:a16="http://schemas.microsoft.com/office/drawing/2014/main" id="{887EA6D2-2883-42C2-993D-094CA6D65DA3}"/>
+                </a:ext>
+                <a:ext uri="{C183D7F6-B498-43B3-948B-1728B52AA6E4}">
+                  <adec:decorative xmlns:adec="http://schemas.microsoft.com/office/drawing/2017/decorative" val="1"/>
+                </a:ext>
+              </a:extLst>
+            </p:cNvPr>
+            <p:cNvSpPr/>
+            <p:nvPr>
+              <p:extLst>
+                <p:ext uri="{386F3935-93C4-4BCD-93E2-E3B085C9AB24}">
+                  <p16:designElem xmlns:p16="http://schemas.microsoft.com/office/powerpoint/2015/main" val="1"/>
+                </p:ext>
+              </p:extLst>
+            </p:nvPr>
+          </p:nvSpPr>
+          <p:spPr>
+            <a:xfrm>
+              <a:off x="9181476" y="-8467"/>
+              <a:ext cx="3007349" cy="6866467"/>
+            </a:xfrm>
+            <a:custGeom>
+              <a:avLst/>
+              <a:gdLst/>
+              <a:ahLst/>
+              <a:cxnLst/>
+              <a:rect l="l" t="t" r="r" b="b"/>
+              <a:pathLst>
+                <a:path w="3007349" h="6866467">
+                  <a:moveTo>
+                    <a:pt x="2045532" y="0"/>
+                  </a:moveTo>
+                  <a:lnTo>
+                    <a:pt x="3007349" y="0"/>
+                  </a:lnTo>
+                  <a:lnTo>
+                    <a:pt x="3007349" y="6866467"/>
+                  </a:lnTo>
+                  <a:lnTo>
+                    <a:pt x="0" y="6866467"/>
+                  </a:lnTo>
+                  <a:lnTo>
+                    <a:pt x="2045532" y="0"/>
+                  </a:lnTo>
+                  <a:close/>
+                </a:path>
+              </a:pathLst>
+            </a:custGeom>
+            <a:solidFill>
+              <a:schemeClr val="accent1">
+                <a:alpha val="30000"/>
+              </a:schemeClr>
+            </a:solidFill>
+            <a:ln>
+              <a:noFill/>
+            </a:ln>
+            <a:effectLst/>
+          </p:spPr>
+          <p:style>
+            <a:lnRef idx="1">
+              <a:schemeClr val="accent1"/>
+            </a:lnRef>
+            <a:fillRef idx="3">
+              <a:schemeClr val="accent1"/>
+            </a:fillRef>
+            <a:effectRef idx="2">
+              <a:schemeClr val="accent1"/>
+            </a:effectRef>
+            <a:fontRef idx="minor">
+              <a:schemeClr val="lt1"/>
+            </a:fontRef>
+          </p:style>
+        </p:sp>
+        <p:sp>
+          <p:nvSpPr>
+            <p:cNvPr id="13" name="Rectangle 25">
+              <a:extLst>
+                <a:ext uri="{FF2B5EF4-FFF2-40B4-BE49-F238E27FC236}">
+                  <a16:creationId xmlns:a16="http://schemas.microsoft.com/office/drawing/2014/main" id="{3B895046-636F-4D1B-ACA4-29AA0CB3329F}"/>
+                </a:ext>
+                <a:ext uri="{C183D7F6-B498-43B3-948B-1728B52AA6E4}">
+                  <adec:decorative xmlns:adec="http://schemas.microsoft.com/office/drawing/2017/decorative" val="1"/>
+                </a:ext>
+              </a:extLst>
+            </p:cNvPr>
+            <p:cNvSpPr/>
+            <p:nvPr>
+              <p:extLst>
+                <p:ext uri="{386F3935-93C4-4BCD-93E2-E3B085C9AB24}">
+                  <p16:designElem xmlns:p16="http://schemas.microsoft.com/office/powerpoint/2015/main" val="1"/>
+                </p:ext>
+              </p:extLst>
+            </p:nvPr>
+          </p:nvSpPr>
+          <p:spPr>
+            <a:xfrm>
+              <a:off x="9603442" y="-8467"/>
+              <a:ext cx="2588558" cy="6866467"/>
+            </a:xfrm>
+            <a:custGeom>
+              <a:avLst/>
+              <a:gdLst/>
+              <a:ahLst/>
+              <a:cxnLst/>
+              <a:rect l="l" t="t" r="r" b="b"/>
+              <a:pathLst>
+                <a:path w="2573311" h="6866467">
+                  <a:moveTo>
+                    <a:pt x="0" y="0"/>
+                  </a:moveTo>
+                  <a:lnTo>
+                    <a:pt x="2573311" y="0"/>
+                  </a:lnTo>
+                  <a:lnTo>
+                    <a:pt x="2573311" y="6866467"/>
+                  </a:lnTo>
+                  <a:lnTo>
+                    <a:pt x="1202336" y="6866467"/>
+                  </a:lnTo>
+                  <a:lnTo>
+                    <a:pt x="0" y="0"/>
+                  </a:lnTo>
+                  <a:close/>
+                </a:path>
+              </a:pathLst>
+            </a:custGeom>
+            <a:solidFill>
+              <a:schemeClr val="accent1">
+                <a:alpha val="20000"/>
+              </a:schemeClr>
+            </a:solidFill>
+            <a:ln>
+              <a:noFill/>
+            </a:ln>
+            <a:effectLst/>
+          </p:spPr>
+          <p:style>
+            <a:lnRef idx="1">
+              <a:schemeClr val="accent1"/>
+            </a:lnRef>
+            <a:fillRef idx="3">
+              <a:schemeClr val="accent1"/>
+            </a:fillRef>
+            <a:effectRef idx="2">
+              <a:schemeClr val="accent1"/>
+            </a:effectRef>
+            <a:fontRef idx="minor">
+              <a:schemeClr val="lt1"/>
+            </a:fontRef>
+          </p:style>
+        </p:sp>
+        <p:sp>
+          <p:nvSpPr>
+            <p:cNvPr id="14" name="Isosceles Triangle 13">
+              <a:extLst>
+                <a:ext uri="{FF2B5EF4-FFF2-40B4-BE49-F238E27FC236}">
+                  <a16:creationId xmlns:a16="http://schemas.microsoft.com/office/drawing/2014/main" id="{C6B0CDE3-E054-4EDD-A43B-F96843D8BF51}"/>
+                </a:ext>
+                <a:ext uri="{C183D7F6-B498-43B3-948B-1728B52AA6E4}">
+                  <adec:decorative xmlns:adec="http://schemas.microsoft.com/office/drawing/2017/decorative" val="1"/>
+                </a:ext>
+              </a:extLst>
+            </p:cNvPr>
+            <p:cNvSpPr/>
+            <p:nvPr>
+              <p:extLst>
+                <p:ext uri="{386F3935-93C4-4BCD-93E2-E3B085C9AB24}">
+                  <p16:designElem xmlns:p16="http://schemas.microsoft.com/office/powerpoint/2015/main" val="1"/>
+                </p:ext>
+              </p:extLst>
+            </p:nvPr>
+          </p:nvSpPr>
+          <p:spPr>
+            <a:xfrm>
+              <a:off x="8932333" y="3048000"/>
+              <a:ext cx="3259667" cy="3810000"/>
+            </a:xfrm>
+            <a:prstGeom prst="triangle">
+              <a:avLst>
+                <a:gd name="adj" fmla="val 100000"/>
+              </a:avLst>
+            </a:prstGeom>
+            <a:solidFill>
+              <a:schemeClr val="accent2">
+                <a:alpha val="72000"/>
+              </a:schemeClr>
+            </a:solidFill>
+            <a:ln>
+              <a:noFill/>
+            </a:ln>
+            <a:effectLst/>
+          </p:spPr>
+          <p:style>
+            <a:lnRef idx="1">
+              <a:schemeClr val="accent1"/>
+            </a:lnRef>
+            <a:fillRef idx="3">
+              <a:schemeClr val="accent1"/>
+            </a:fillRef>
+            <a:effectRef idx="2">
+              <a:schemeClr val="accent1"/>
+            </a:effectRef>
+            <a:fontRef idx="minor">
+              <a:schemeClr val="lt1"/>
+            </a:fontRef>
+          </p:style>
+        </p:sp>
+        <p:sp>
+          <p:nvSpPr>
+            <p:cNvPr id="15" name="Rectangle 27">
+              <a:extLst>
+                <a:ext uri="{FF2B5EF4-FFF2-40B4-BE49-F238E27FC236}">
+                  <a16:creationId xmlns:a16="http://schemas.microsoft.com/office/drawing/2014/main" id="{3B66B1A2-F145-4C9B-85CC-4BF30D58CBC5}"/>
+                </a:ext>
+                <a:ext uri="{C183D7F6-B498-43B3-948B-1728B52AA6E4}">
+                  <adec:decorative xmlns:adec="http://schemas.microsoft.com/office/drawing/2017/decorative" val="1"/>
+                </a:ext>
+              </a:extLst>
+            </p:cNvPr>
+            <p:cNvSpPr/>
+            <p:nvPr>
+              <p:extLst>
+                <p:ext uri="{386F3935-93C4-4BCD-93E2-E3B085C9AB24}">
+                  <p16:designElem xmlns:p16="http://schemas.microsoft.com/office/powerpoint/2015/main" val="1"/>
+                </p:ext>
+              </p:extLst>
+            </p:nvPr>
+          </p:nvSpPr>
+          <p:spPr>
+            <a:xfrm>
+              <a:off x="9334500" y="-8467"/>
+              <a:ext cx="2854326" cy="6866467"/>
+            </a:xfrm>
+            <a:custGeom>
+              <a:avLst/>
+              <a:gdLst/>
+              <a:ahLst/>
+              <a:cxnLst/>
+              <a:rect l="l" t="t" r="r" b="b"/>
+              <a:pathLst>
+                <a:path w="2858013" h="6866467">
+                  <a:moveTo>
+                    <a:pt x="0" y="0"/>
+                  </a:moveTo>
+                  <a:lnTo>
+                    <a:pt x="2858013" y="0"/>
+                  </a:lnTo>
+                  <a:lnTo>
+                    <a:pt x="2858013" y="6866467"/>
+                  </a:lnTo>
+                  <a:lnTo>
+                    <a:pt x="2473942" y="6866467"/>
+                  </a:lnTo>
+                  <a:lnTo>
+                    <a:pt x="0" y="0"/>
+                  </a:lnTo>
+                  <a:close/>
+                </a:path>
+              </a:pathLst>
+            </a:custGeom>
+            <a:solidFill>
+              <a:schemeClr val="accent2">
+                <a:lumMod val="75000"/>
+                <a:alpha val="70000"/>
+              </a:schemeClr>
+            </a:solidFill>
+            <a:ln>
+              <a:noFill/>
+            </a:ln>
+            <a:effectLst/>
+          </p:spPr>
+          <p:style>
+            <a:lnRef idx="1">
+              <a:schemeClr val="accent1"/>
+            </a:lnRef>
+            <a:fillRef idx="3">
+              <a:schemeClr val="accent1"/>
+            </a:fillRef>
+            <a:effectRef idx="2">
+              <a:schemeClr val="accent1"/>
+            </a:effectRef>
+            <a:fontRef idx="minor">
+              <a:schemeClr val="lt1"/>
+            </a:fontRef>
+          </p:style>
+        </p:sp>
+        <p:sp>
+          <p:nvSpPr>
+            <p:cNvPr id="16" name="Rectangle 28">
+              <a:extLst>
+                <a:ext uri="{FF2B5EF4-FFF2-40B4-BE49-F238E27FC236}">
+                  <a16:creationId xmlns:a16="http://schemas.microsoft.com/office/drawing/2014/main" id="{5D4FC972-94B3-4035-8D31-E668C132B411}"/>
+                </a:ext>
+                <a:ext uri="{C183D7F6-B498-43B3-948B-1728B52AA6E4}">
+                  <adec:decorative xmlns:adec="http://schemas.microsoft.com/office/drawing/2017/decorative" val="1"/>
+                </a:ext>
+              </a:extLst>
+            </p:cNvPr>
+            <p:cNvSpPr/>
+            <p:nvPr>
+              <p:extLst>
+                <p:ext uri="{386F3935-93C4-4BCD-93E2-E3B085C9AB24}">
+                  <p16:designElem xmlns:p16="http://schemas.microsoft.com/office/powerpoint/2015/main" val="1"/>
+                </p:ext>
+              </p:extLst>
+            </p:nvPr>
+          </p:nvSpPr>
+          <p:spPr>
+            <a:xfrm>
+              <a:off x="10898730" y="-8467"/>
+              <a:ext cx="1290094" cy="6866467"/>
+            </a:xfrm>
+            <a:custGeom>
+              <a:avLst/>
+              <a:gdLst/>
+              <a:ahLst/>
+              <a:cxnLst/>
+              <a:rect l="l" t="t" r="r" b="b"/>
+              <a:pathLst>
+                <a:path w="1290094" h="6858000">
+                  <a:moveTo>
+                    <a:pt x="1019735" y="0"/>
+                  </a:moveTo>
+                  <a:lnTo>
+                    <a:pt x="1290094" y="0"/>
+                  </a:lnTo>
+                  <a:lnTo>
+                    <a:pt x="1290094" y="6858000"/>
+                  </a:lnTo>
+                  <a:lnTo>
+                    <a:pt x="0" y="6858000"/>
+                  </a:lnTo>
+                  <a:lnTo>
+                    <a:pt x="1019735" y="0"/>
+                  </a:lnTo>
+                  <a:close/>
+                </a:path>
+              </a:pathLst>
+            </a:custGeom>
+            <a:solidFill>
+              <a:schemeClr val="accent1">
+                <a:lumMod val="60000"/>
+                <a:lumOff val="40000"/>
+                <a:alpha val="70000"/>
+              </a:schemeClr>
+            </a:solidFill>
+            <a:ln>
+              <a:noFill/>
+            </a:ln>
+            <a:effectLst/>
+          </p:spPr>
+          <p:style>
+            <a:lnRef idx="1">
+              <a:schemeClr val="accent1"/>
+            </a:lnRef>
+            <a:fillRef idx="3">
+              <a:schemeClr val="accent1"/>
+            </a:fillRef>
+            <a:effectRef idx="2">
+              <a:schemeClr val="accent1"/>
+            </a:effectRef>
+            <a:fontRef idx="minor">
+              <a:schemeClr val="lt1"/>
+            </a:fontRef>
+          </p:style>
+        </p:sp>
+        <p:sp>
+          <p:nvSpPr>
+            <p:cNvPr id="17" name="Rectangle 29">
+              <a:extLst>
+                <a:ext uri="{FF2B5EF4-FFF2-40B4-BE49-F238E27FC236}">
+                  <a16:creationId xmlns:a16="http://schemas.microsoft.com/office/drawing/2014/main" id="{374B9941-AFBE-4A77-A50E-B6EA04A746AE}"/>
+                </a:ext>
+                <a:ext uri="{C183D7F6-B498-43B3-948B-1728B52AA6E4}">
+                  <adec:decorative xmlns:adec="http://schemas.microsoft.com/office/drawing/2017/decorative" val="1"/>
+                </a:ext>
+              </a:extLst>
+            </p:cNvPr>
+            <p:cNvSpPr/>
+            <p:nvPr>
+              <p:extLst>
+                <p:ext uri="{386F3935-93C4-4BCD-93E2-E3B085C9AB24}">
+                  <p16:designElem xmlns:p16="http://schemas.microsoft.com/office/powerpoint/2015/main" val="1"/>
+                </p:ext>
+              </p:extLst>
+            </p:nvPr>
+          </p:nvSpPr>
+          <p:spPr>
+            <a:xfrm>
+              <a:off x="10938999" y="-8467"/>
+              <a:ext cx="1249825" cy="6866467"/>
+            </a:xfrm>
+            <a:custGeom>
+              <a:avLst/>
+              <a:gdLst/>
+              <a:ahLst/>
+              <a:cxnLst/>
+              <a:rect l="l" t="t" r="r" b="b"/>
+              <a:pathLst>
+                <a:path w="1249825" h="6858000">
+                  <a:moveTo>
+                    <a:pt x="0" y="0"/>
+                  </a:moveTo>
+                  <a:lnTo>
+                    <a:pt x="1249825" y="0"/>
+                  </a:lnTo>
+                  <a:lnTo>
+                    <a:pt x="1249825" y="6858000"/>
+                  </a:lnTo>
+                  <a:lnTo>
+                    <a:pt x="1109382" y="6858000"/>
+                  </a:lnTo>
+                  <a:lnTo>
+                    <a:pt x="0" y="0"/>
+                  </a:lnTo>
+                  <a:close/>
+                </a:path>
+              </a:pathLst>
+            </a:custGeom>
+            <a:solidFill>
+              <a:schemeClr val="accent1">
+                <a:alpha val="65000"/>
+              </a:schemeClr>
+            </a:solidFill>
+            <a:ln>
+              <a:noFill/>
+            </a:ln>
+            <a:effectLst/>
+          </p:spPr>
+          <p:style>
+            <a:lnRef idx="1">
+              <a:schemeClr val="accent1"/>
+            </a:lnRef>
+            <a:fillRef idx="3">
+              <a:schemeClr val="accent1"/>
+            </a:fillRef>
+            <a:effectRef idx="2">
+              <a:schemeClr val="accent1"/>
+            </a:effectRef>
+            <a:fontRef idx="minor">
+              <a:schemeClr val="lt1"/>
+            </a:fontRef>
+          </p:style>
+        </p:sp>
+        <p:sp>
+          <p:nvSpPr>
+            <p:cNvPr id="18" name="Isosceles Triangle 17">
+              <a:extLst>
+                <a:ext uri="{FF2B5EF4-FFF2-40B4-BE49-F238E27FC236}">
+                  <a16:creationId xmlns:a16="http://schemas.microsoft.com/office/drawing/2014/main" id="{27A982C5-2C38-4CE9-BC18-94697AD657FB}"/>
+                </a:ext>
+                <a:ext uri="{C183D7F6-B498-43B3-948B-1728B52AA6E4}">
+                  <adec:decorative xmlns:adec="http://schemas.microsoft.com/office/drawing/2017/decorative" val="1"/>
+                </a:ext>
+              </a:extLst>
+            </p:cNvPr>
+            <p:cNvSpPr/>
+            <p:nvPr>
+              <p:extLst>
+                <p:ext uri="{386F3935-93C4-4BCD-93E2-E3B085C9AB24}">
+                  <p16:designElem xmlns:p16="http://schemas.microsoft.com/office/powerpoint/2015/main" val="1"/>
+                </p:ext>
+              </p:extLst>
+            </p:nvPr>
+          </p:nvSpPr>
+          <p:spPr>
+            <a:xfrm>
+              <a:off x="10371666" y="3589867"/>
+              <a:ext cx="1817159" cy="3268133"/>
+            </a:xfrm>
+            <a:prstGeom prst="triangle">
+              <a:avLst>
+                <a:gd name="adj" fmla="val 100000"/>
+              </a:avLst>
+            </a:prstGeom>
+            <a:solidFill>
+              <a:schemeClr val="accent1">
+                <a:alpha val="80000"/>
+              </a:schemeClr>
+            </a:solidFill>
+            <a:ln>
+              <a:noFill/>
+            </a:ln>
+            <a:effectLst/>
+          </p:spPr>
+          <p:style>
+            <a:lnRef idx="1">
+              <a:schemeClr val="accent1"/>
+            </a:lnRef>
+            <a:fillRef idx="3">
+              <a:schemeClr val="accent1"/>
+            </a:fillRef>
+            <a:effectRef idx="2">
+              <a:schemeClr val="accent1"/>
+            </a:effectRef>
+            <a:fontRef idx="minor">
+              <a:schemeClr val="lt1"/>
+            </a:fontRef>
+          </p:style>
+        </p:sp>
+        <p:sp>
+          <p:nvSpPr>
+            <p:cNvPr id="19" name="Isosceles Triangle 18">
+              <a:extLst>
+                <a:ext uri="{FF2B5EF4-FFF2-40B4-BE49-F238E27FC236}">
+                  <a16:creationId xmlns:a16="http://schemas.microsoft.com/office/drawing/2014/main" id="{0060D8D1-7BB1-498F-AFBB-ADAC130A9E90}"/>
+                </a:ext>
+                <a:ext uri="{C183D7F6-B498-43B3-948B-1728B52AA6E4}">
+                  <adec:decorative xmlns:adec="http://schemas.microsoft.com/office/drawing/2017/decorative" val="1"/>
+                </a:ext>
+              </a:extLst>
+            </p:cNvPr>
+            <p:cNvSpPr/>
+            <p:nvPr>
+              <p:extLst>
+                <p:ext uri="{386F3935-93C4-4BCD-93E2-E3B085C9AB24}">
+                  <p16:designElem xmlns:p16="http://schemas.microsoft.com/office/powerpoint/2015/main" val="1"/>
+                </p:ext>
+              </p:extLst>
+            </p:nvPr>
+          </p:nvSpPr>
+          <p:spPr>
+            <a:xfrm rot="10800000">
+              <a:off x="0" y="0"/>
+              <a:ext cx="842596" cy="5666154"/>
+            </a:xfrm>
+            <a:prstGeom prst="triangle">
+              <a:avLst>
+                <a:gd name="adj" fmla="val 100000"/>
+              </a:avLst>
+            </a:prstGeom>
+            <a:solidFill>
+              <a:schemeClr val="accent1">
+                <a:alpha val="85000"/>
+              </a:schemeClr>
+            </a:solidFill>
+            <a:ln>
+              <a:noFill/>
+            </a:ln>
+            <a:effectLst/>
+          </p:spPr>
+          <p:style>
+            <a:lnRef idx="1">
+              <a:schemeClr val="accent1"/>
+            </a:lnRef>
+            <a:fillRef idx="3">
+              <a:schemeClr val="accent1"/>
+            </a:fillRef>
+            <a:effectRef idx="2">
+              <a:schemeClr val="accent1"/>
+            </a:effectRef>
+            <a:fontRef idx="minor">
+              <a:schemeClr val="lt1"/>
+            </a:fontRef>
+          </p:style>
+        </p:sp>
+      </p:grpSp>
+      <p:sp>
+        <p:nvSpPr>
+          <p:cNvPr id="2" name="Title 1">
+            <a:extLst>
+              <a:ext uri="{FF2B5EF4-FFF2-40B4-BE49-F238E27FC236}">
+                <a16:creationId xmlns:a16="http://schemas.microsoft.com/office/drawing/2014/main" id="{1686D0FD-BDE2-4E3C-9C0D-2CB51EC85106}"/>
+              </a:ext>
+            </a:extLst>
+          </p:cNvPr>
+          <p:cNvSpPr>
+            <a:spLocks noGrp="1"/>
+          </p:cNvSpPr>
+          <p:nvPr>
+            <p:ph type="title"/>
+          </p:nvPr>
+        </p:nvSpPr>
+        <p:spPr>
+          <a:xfrm>
+            <a:off x="985969" y="4553712"/>
+            <a:ext cx="8288032" cy="1096316"/>
+          </a:xfrm>
+        </p:spPr>
+        <p:txBody>
+          <a:bodyPr vert="horz" lIns="91440" tIns="45720" rIns="91440" bIns="45720" rtlCol="0" anchor="b">
+            <a:normAutofit/>
+          </a:bodyPr>
+          <a:lstStyle/>
+          <a:p>
+            <a:pPr algn="ctr">
+              <a:lnSpc>
+                <a:spcPct val="90000"/>
+              </a:lnSpc>
+            </a:pPr>
+            <a:r>
+              <a:rPr lang="en-US" sz="3700" kern="1200">
+                <a:solidFill>
+                  <a:schemeClr val="accent1"/>
+                </a:solidFill>
+                <a:latin typeface="+mj-lt"/>
+                <a:ea typeface="+mj-ea"/>
+                <a:cs typeface="+mj-cs"/>
+              </a:rPr>
+              <a:t>Identifying postal code in North York</a:t>
+            </a:r>
+          </a:p>
+        </p:txBody>
+      </p:sp>
+      <p:pic>
+        <p:nvPicPr>
+          <p:cNvPr id="4" name="Content Placeholder 3">
+            <a:extLst>
+              <a:ext uri="{FF2B5EF4-FFF2-40B4-BE49-F238E27FC236}">
+                <a16:creationId xmlns:a16="http://schemas.microsoft.com/office/drawing/2014/main" id="{A5B80433-ECF1-44CC-83AE-D0CAA3425E53}"/>
+              </a:ext>
+            </a:extLst>
+          </p:cNvPr>
+          <p:cNvPicPr>
+            <a:picLocks noGrp="1" noChangeAspect="1"/>
+          </p:cNvPicPr>
+          <p:nvPr>
+            <p:ph idx="1"/>
+          </p:nvPr>
+        </p:nvPicPr>
+        <p:blipFill>
+          <a:blip r:embed="rId2"/>
+          <a:stretch>
+            <a:fillRect/>
+          </a:stretch>
+        </p:blipFill>
+        <p:spPr>
+          <a:xfrm>
+            <a:off x="2074938" y="934222"/>
+            <a:ext cx="6110093" cy="3299450"/>
+          </a:xfrm>
+          <a:prstGeom prst="rect">
+            <a:avLst/>
+          </a:prstGeom>
+        </p:spPr>
+      </p:pic>
+    </p:spTree>
+    <p:extLst>
+      <p:ext uri="{BB962C8B-B14F-4D97-AF65-F5344CB8AC3E}">
+        <p14:creationId xmlns:p14="http://schemas.microsoft.com/office/powerpoint/2010/main" val="3426418382"/>
+      </p:ext>
+    </p:extLst>
+  </p:cSld>
+  <p:clrMapOvr>
+    <a:masterClrMapping/>
+  </p:clrMapOvr>
+</p:sld>
+</file>
+
+<file path=ppt/slides/slide5.xml><?xml version="1.0" encoding="utf-8"?>
+<p:sld xmlns:a="http://schemas.openxmlformats.org/drawingml/2006/main" xmlns:r="http://schemas.openxmlformats.org/officeDocument/2006/relationships" xmlns:p="http://schemas.openxmlformats.org/presentationml/2006/main">
+  <p:cSld>
+    <p:spTree>
+      <p:nvGrpSpPr>
+        <p:cNvPr id="1" name=""/>
+        <p:cNvGrpSpPr/>
+        <p:nvPr/>
+      </p:nvGrpSpPr>
+      <p:grpSpPr>
+        <a:xfrm>
+          <a:off x="0" y="0"/>
+          <a:ext cx="0" cy="0"/>
+          <a:chOff x="0" y="0"/>
+          <a:chExt cx="0" cy="0"/>
+        </a:xfrm>
+      </p:grpSpPr>
+      <p:sp>
+        <p:nvSpPr>
+          <p:cNvPr id="2" name="Title 1">
+            <a:extLst>
+              <a:ext uri="{FF2B5EF4-FFF2-40B4-BE49-F238E27FC236}">
+                <a16:creationId xmlns:a16="http://schemas.microsoft.com/office/drawing/2014/main" id="{D45DAEA5-CC92-48FE-9E8A-9100953A9CE9}"/>
+              </a:ext>
+            </a:extLst>
+          </p:cNvPr>
+          <p:cNvSpPr>
+            <a:spLocks noGrp="1"/>
+          </p:cNvSpPr>
+          <p:nvPr>
+            <p:ph type="title"/>
+          </p:nvPr>
+        </p:nvSpPr>
+        <p:spPr>
+          <a:xfrm>
+            <a:off x="677334" y="609599"/>
+            <a:ext cx="8596668" cy="1550989"/>
+          </a:xfrm>
+        </p:spPr>
+        <p:txBody>
+          <a:bodyPr>
+            <a:normAutofit fontScale="90000"/>
+          </a:bodyPr>
+          <a:lstStyle/>
+          <a:p>
+            <a:r>
+              <a:rPr lang="en-US" b="1" dirty="0"/>
+              <a:t>Connecting to Foursquare and Retrieving Locational Data</a:t>
+            </a:r>
+            <a:r>
+              <a:rPr lang="en-US" dirty="0"/>
+              <a:t> </a:t>
+            </a:r>
+            <a:r>
+              <a:rPr lang="en-US" b="1" dirty="0"/>
+              <a:t>for Each Venue in Every Neighborhood</a:t>
+            </a:r>
+            <a:br>
+              <a:rPr lang="en-US" b="1" dirty="0"/>
+            </a:br>
+            <a:endParaRPr lang="en-US" dirty="0"/>
+          </a:p>
+        </p:txBody>
+      </p:sp>
+      <p:sp>
+        <p:nvSpPr>
+          <p:cNvPr id="3" name="Content Placeholder 2">
+            <a:extLst>
+              <a:ext uri="{FF2B5EF4-FFF2-40B4-BE49-F238E27FC236}">
+                <a16:creationId xmlns:a16="http://schemas.microsoft.com/office/drawing/2014/main" id="{BB4A7582-F17B-41E3-962D-1FB737E80116}"/>
+              </a:ext>
+            </a:extLst>
+          </p:cNvPr>
+          <p:cNvSpPr>
+            <a:spLocks noGrp="1"/>
+          </p:cNvSpPr>
+          <p:nvPr>
+            <p:ph idx="1"/>
+          </p:nvPr>
+        </p:nvSpPr>
+        <p:spPr>
+          <a:xfrm>
+            <a:off x="531560" y="2830552"/>
+            <a:ext cx="8596668" cy="1762054"/>
+          </a:xfrm>
+        </p:spPr>
+        <p:txBody>
+          <a:bodyPr/>
+          <a:lstStyle/>
+          <a:p>
+            <a:pPr marL="0" indent="0">
+              <a:buNone/>
+            </a:pPr>
+            <a:r>
+              <a:rPr lang="en-US" b="1" dirty="0"/>
+              <a:t>After finding the list of neighborhoods, we then connect to the Foursquare API to gather information about venues inside each and every neighborhood. For each neighborhood, we have chosen the radius to be 1000 meter. It means that we have asked Foursquare to find venues that are at most 1000 meter far from the center of the neighborhood.</a:t>
+            </a:r>
+          </a:p>
+          <a:p>
+            <a:endParaRPr lang="en-US" dirty="0"/>
+          </a:p>
+        </p:txBody>
+      </p:sp>
+    </p:spTree>
+    <p:extLst>
+      <p:ext uri="{BB962C8B-B14F-4D97-AF65-F5344CB8AC3E}">
+        <p14:creationId xmlns:p14="http://schemas.microsoft.com/office/powerpoint/2010/main" val="1032645259"/>
+      </p:ext>
+    </p:extLst>
+  </p:cSld>
+  <p:clrMapOvr>
+    <a:masterClrMapping/>
+  </p:clrMapOvr>
+</p:sld>
+</file>
+
+<file path=ppt/slides/slide6.xml><?xml version="1.0" encoding="utf-8"?>
+<p:sld xmlns:a="http://schemas.openxmlformats.org/drawingml/2006/main" xmlns:r="http://schemas.openxmlformats.org/officeDocument/2006/relationships" xmlns:p="http://schemas.openxmlformats.org/presentationml/2006/main">
+  <p:cSld>
+    <p:spTree>
+      <p:nvGrpSpPr>
+        <p:cNvPr id="1" name=""/>
+        <p:cNvGrpSpPr/>
+        <p:nvPr/>
+      </p:nvGrpSpPr>
+      <p:grpSpPr>
+        <a:xfrm>
+          <a:off x="0" y="0"/>
+          <a:ext cx="0" cy="0"/>
+          <a:chOff x="0" y="0"/>
+          <a:chExt cx="0" cy="0"/>
+        </a:xfrm>
+      </p:grpSpPr>
+      <p:sp>
+        <p:nvSpPr>
+          <p:cNvPr id="2" name="Title 1">
+            <a:extLst>
+              <a:ext uri="{FF2B5EF4-FFF2-40B4-BE49-F238E27FC236}">
+                <a16:creationId xmlns:a16="http://schemas.microsoft.com/office/drawing/2014/main" id="{A4F8FFD6-F8A7-4763-A42A-E759ECF59F83}"/>
+              </a:ext>
+            </a:extLst>
+          </p:cNvPr>
+          <p:cNvSpPr>
+            <a:spLocks noGrp="1"/>
+          </p:cNvSpPr>
+          <p:nvPr>
+            <p:ph type="title"/>
+          </p:nvPr>
+        </p:nvSpPr>
+        <p:spPr>
+          <a:xfrm>
+            <a:off x="677334" y="609600"/>
+            <a:ext cx="210562" cy="207038"/>
+          </a:xfrm>
+        </p:spPr>
+        <p:txBody>
+          <a:bodyPr>
+            <a:normAutofit fontScale="90000"/>
+          </a:bodyPr>
+          <a:lstStyle/>
+          <a:p>
+            <a:r>
+              <a:rPr lang="en-US" dirty="0"/>
+              <a:t>.</a:t>
+            </a:r>
+          </a:p>
+        </p:txBody>
+      </p:sp>
+      <p:sp>
+        <p:nvSpPr>
+          <p:cNvPr id="3" name="Content Placeholder 2">
+            <a:extLst>
+              <a:ext uri="{FF2B5EF4-FFF2-40B4-BE49-F238E27FC236}">
+                <a16:creationId xmlns:a16="http://schemas.microsoft.com/office/drawing/2014/main" id="{77D797FF-99DF-4593-9E72-1231D4269093}"/>
+              </a:ext>
+            </a:extLst>
+          </p:cNvPr>
+          <p:cNvSpPr>
+            <a:spLocks noGrp="1"/>
+          </p:cNvSpPr>
+          <p:nvPr>
+            <p:ph idx="1"/>
+          </p:nvPr>
+        </p:nvSpPr>
+        <p:spPr/>
+        <p:txBody>
+          <a:bodyPr/>
+          <a:lstStyle/>
+          <a:p>
+            <a:pPr marL="0" indent="0">
+              <a:buNone/>
+            </a:pPr>
+            <a:r>
+              <a:rPr lang="en-US" b="1" dirty="0"/>
+              <a:t>Processing the Retrieved Data and Creating a Data Frame for All the Venues inside the North York</a:t>
+            </a:r>
+          </a:p>
+          <a:p>
+            <a:pPr marL="0" indent="0">
+              <a:buNone/>
+            </a:pPr>
+            <a:r>
+              <a:rPr lang="en-US" b="1" dirty="0"/>
+              <a:t>When the data is completely gathered, we will perform processing on that raw data to find our desirable features for each venue. Our main feature is the category of that venue. After this stage, the column "Venue's Category" will be One-hot encoded and different venues will have different feature-columns. </a:t>
+            </a:r>
+            <a:endParaRPr lang="en-US" dirty="0"/>
+          </a:p>
+        </p:txBody>
+      </p:sp>
+    </p:spTree>
+    <p:extLst>
+      <p:ext uri="{BB962C8B-B14F-4D97-AF65-F5344CB8AC3E}">
+        <p14:creationId xmlns:p14="http://schemas.microsoft.com/office/powerpoint/2010/main" val="2008153912"/>
+      </p:ext>
+    </p:extLst>
+  </p:cSld>
+  <p:clrMapOvr>
+    <a:masterClrMapping/>
+  </p:clrMapOvr>
+</p:sld>
+</file>
+
+<file path=ppt/slides/slide7.xml><?xml version="1.0" encoding="utf-8"?>
 <p:sld xmlns:a="http://schemas.openxmlformats.org/drawingml/2006/main" xmlns:r="http://schemas.openxmlformats.org/officeDocument/2006/relationships" xmlns:p="http://schemas.openxmlformats.org/presentationml/2006/main">
   <p:cSld>
     <p:spTree>
@@ -6294,7 +8914,7 @@
 </p:sld>
 </file>
 
-<file path=ppt/slides/slide5.xml><?xml version="1.0" encoding="utf-8"?>
+<file path=ppt/slides/slide8.xml><?xml version="1.0" encoding="utf-8"?>
 <p:sld xmlns:a="http://schemas.openxmlformats.org/drawingml/2006/main" xmlns:r="http://schemas.openxmlformats.org/officeDocument/2006/relationships" xmlns:p="http://schemas.openxmlformats.org/presentationml/2006/main">
   <p:cSld>
     <p:spTree>
@@ -6434,104 +9054,7 @@
 </p:sld>
 </file>
 
-<file path=ppt/slides/slide6.xml><?xml version="1.0" encoding="utf-8"?>
-<p:sld xmlns:a="http://schemas.openxmlformats.org/drawingml/2006/main" xmlns:r="http://schemas.openxmlformats.org/officeDocument/2006/relationships" xmlns:p="http://schemas.openxmlformats.org/presentationml/2006/main">
-  <p:cSld>
-    <p:spTree>
-      <p:nvGrpSpPr>
-        <p:cNvPr id="1" name=""/>
-        <p:cNvGrpSpPr/>
-        <p:nvPr/>
-      </p:nvGrpSpPr>
-      <p:grpSpPr>
-        <a:xfrm>
-          <a:off x="0" y="0"/>
-          <a:ext cx="0" cy="0"/>
-          <a:chOff x="0" y="0"/>
-          <a:chExt cx="0" cy="0"/>
-        </a:xfrm>
-      </p:grpSpPr>
-      <p:sp>
-        <p:nvSpPr>
-          <p:cNvPr id="2" name="Title 1">
-            <a:extLst>
-              <a:ext uri="{FF2B5EF4-FFF2-40B4-BE49-F238E27FC236}">
-                <a16:creationId xmlns:a16="http://schemas.microsoft.com/office/drawing/2014/main" id="{8B742197-D260-437B-AF60-3B3373B65139}"/>
-              </a:ext>
-            </a:extLst>
-          </p:cNvPr>
-          <p:cNvSpPr>
-            <a:spLocks noGrp="1"/>
-          </p:cNvSpPr>
-          <p:nvPr>
-            <p:ph type="title"/>
-          </p:nvPr>
-        </p:nvSpPr>
-        <p:spPr>
-          <a:xfrm>
-            <a:off x="677334" y="609600"/>
-            <a:ext cx="265201" cy="107852"/>
-          </a:xfrm>
-        </p:spPr>
-        <p:txBody>
-          <a:bodyPr>
-            <a:normAutofit fontScale="90000"/>
-          </a:bodyPr>
-          <a:lstStyle/>
-          <a:p>
-            <a:r>
-              <a:rPr lang="en-US" dirty="0"/>
-              <a:t>.</a:t>
-            </a:r>
-          </a:p>
-        </p:txBody>
-      </p:sp>
-      <p:pic>
-        <p:nvPicPr>
-          <p:cNvPr id="4" name="Content Placeholder 3">
-            <a:extLst>
-              <a:ext uri="{FF2B5EF4-FFF2-40B4-BE49-F238E27FC236}">
-                <a16:creationId xmlns:a16="http://schemas.microsoft.com/office/drawing/2014/main" id="{382E3BF6-5888-4B04-A90A-451C6A1D791E}"/>
-              </a:ext>
-            </a:extLst>
-          </p:cNvPr>
-          <p:cNvPicPr>
-            <a:picLocks noGrp="1" noChangeAspect="1"/>
-          </p:cNvPicPr>
-          <p:nvPr>
-            <p:ph idx="1"/>
-          </p:nvPr>
-        </p:nvPicPr>
-        <p:blipFill>
-          <a:blip r:embed="rId2"/>
-          <a:stretch>
-            <a:fillRect/>
-          </a:stretch>
-        </p:blipFill>
-        <p:spPr>
-          <a:xfrm>
-            <a:off x="677335" y="609601"/>
-            <a:ext cx="9620216" cy="5226050"/>
-          </a:xfrm>
-          <a:prstGeom prst="rect">
-            <a:avLst/>
-          </a:prstGeom>
-        </p:spPr>
-      </p:pic>
-    </p:spTree>
-    <p:extLst>
-      <p:ext uri="{BB962C8B-B14F-4D97-AF65-F5344CB8AC3E}">
-        <p14:creationId xmlns:p14="http://schemas.microsoft.com/office/powerpoint/2010/main" val="4034060055"/>
-      </p:ext>
-    </p:extLst>
-  </p:cSld>
-  <p:clrMapOvr>
-    <a:masterClrMapping/>
-  </p:clrMapOvr>
-</p:sld>
-</file>
-
-<file path=ppt/slides/slide7.xml><?xml version="1.0" encoding="utf-8"?>
+<file path=ppt/slides/slide9.xml><?xml version="1.0" encoding="utf-8"?>
 <p:sld xmlns:a="http://schemas.openxmlformats.org/drawingml/2006/main" xmlns:r="http://schemas.openxmlformats.org/officeDocument/2006/relationships" xmlns:p="http://schemas.openxmlformats.org/presentationml/2006/main">
   <p:cSld>
     <p:spTree>
